--- a/CHARACTER RECOGNITION USING NEURAL NETWORKS.pptx
+++ b/CHARACTER RECOGNITION USING NEURAL NETWORKS.pptx
@@ -2865,6 +2865,13 @@
         </dgm:presLayoutVars>
       </dgm:prSet>
       <dgm:spPr/>
+      <dgm:t>
+        <a:bodyPr/>
+        <a:lstStyle/>
+        <a:p>
+          <a:endParaRPr lang="en-US"/>
+        </a:p>
+      </dgm:t>
     </dgm:pt>
     <dgm:pt modelId="{23E3D607-34C2-4E5D-A934-A2F597267EBD}" type="pres">
       <dgm:prSet presAssocID="{5A47EE38-F165-4EF8-861E-E0BC44CA47A7}" presName="composite" presStyleCnt="0"/>
@@ -2917,7 +2924,7 @@
       <dgm:spPr/>
     </dgm:pt>
     <dgm:pt modelId="{F2FAB72E-B584-4B4D-ABEA-1CED358ABCD0}" type="pres">
-      <dgm:prSet presAssocID="{2F788F0F-3B52-4DFE-8BBD-8D5999F55B27}" presName="bentUpArrow1" presStyleLbl="alignImgPlace1" presStyleIdx="1" presStyleCnt="2" custLinFactNeighborX="-15414" custLinFactNeighborY="-43462"/>
+      <dgm:prSet presAssocID="{2F788F0F-3B52-4DFE-8BBD-8D5999F55B27}" presName="bentUpArrow1" presStyleLbl="alignImgPlace1" presStyleIdx="1" presStyleCnt="2" custScaleY="78496" custLinFactNeighborX="-13309" custLinFactNeighborY="-50839"/>
       <dgm:spPr/>
     </dgm:pt>
     <dgm:pt modelId="{50691B4C-40F1-4299-9A39-0BCAC593C4F0}" type="pres">
@@ -3002,8 +3009,8 @@
     <dgm:cxn modelId="{9B703124-C4B0-4D07-A489-76C265884499}" type="presOf" srcId="{CD51F6C7-FD66-426C-8EF3-C7D8DEE5A71C}" destId="{ED044216-B860-42F8-B4D9-3D146FA90063}" srcOrd="0" destOrd="1" presId="urn:microsoft.com/office/officeart/2005/8/layout/StepDownProcess"/>
     <dgm:cxn modelId="{795CD4D6-111E-4890-8F1C-FA45D69C35DC}" srcId="{5A47EE38-F165-4EF8-861E-E0BC44CA47A7}" destId="{E17EE7CC-7B88-4C3E-AFA2-C37167D55FC3}" srcOrd="0" destOrd="0" parTransId="{86E28FA7-8C85-4AD6-B6E0-6F8629270DE6}" sibTransId="{01D7ADC8-038B-4427-ABF2-3E07ECFCB99C}"/>
     <dgm:cxn modelId="{44E93197-199F-432C-B3D9-1E94EBF59F39}" type="presOf" srcId="{6E6F4C91-2079-4EC2-B0E3-1876C0FAF1C0}" destId="{EB42B002-C3FF-4E30-B319-E65D1D7B1503}" srcOrd="0" destOrd="0" presId="urn:microsoft.com/office/officeart/2005/8/layout/StepDownProcess"/>
+    <dgm:cxn modelId="{2B3AB690-45BB-4806-B06E-0C2B4EE9848B}" srcId="{6E6F4C91-2079-4EC2-B0E3-1876C0FAF1C0}" destId="{5A47EE38-F165-4EF8-861E-E0BC44CA47A7}" srcOrd="0" destOrd="0" parTransId="{585305E1-29E6-42D5-A7FC-FE97549924DA}" sibTransId="{1977565A-09EE-42E0-B0E2-BA7340134C80}"/>
     <dgm:cxn modelId="{E78A553B-D552-4F58-B161-0DE6C09C8BFF}" type="presOf" srcId="{F0992ECF-6E86-48E3-832C-38B55F196C1A}" destId="{B139DA82-CE7A-4B99-80D5-A8FAF682C801}" srcOrd="0" destOrd="0" presId="urn:microsoft.com/office/officeart/2005/8/layout/StepDownProcess"/>
-    <dgm:cxn modelId="{2B3AB690-45BB-4806-B06E-0C2B4EE9848B}" srcId="{6E6F4C91-2079-4EC2-B0E3-1876C0FAF1C0}" destId="{5A47EE38-F165-4EF8-861E-E0BC44CA47A7}" srcOrd="0" destOrd="0" parTransId="{585305E1-29E6-42D5-A7FC-FE97549924DA}" sibTransId="{1977565A-09EE-42E0-B0E2-BA7340134C80}"/>
     <dgm:cxn modelId="{44337E86-D8F6-4E00-BFC4-B1FBCCB7C997}" type="presOf" srcId="{9ABDD8F2-8D59-479C-8868-41CC38F55FA6}" destId="{ED044216-B860-42F8-B4D9-3D146FA90063}" srcOrd="0" destOrd="0" presId="urn:microsoft.com/office/officeart/2005/8/layout/StepDownProcess"/>
     <dgm:cxn modelId="{5B740478-4CB9-4D6C-9937-FBE42A6F270C}" srcId="{1718CE8F-20AB-4143-88B2-ECEC55962362}" destId="{CD51F6C7-FD66-426C-8EF3-C7D8DEE5A71C}" srcOrd="1" destOrd="0" parTransId="{B24690ED-1314-4B9C-9356-69B27DCABC09}" sibTransId="{31035FB3-83FC-49AC-B084-EDDAE9138538}"/>
     <dgm:cxn modelId="{3F1E7EBB-BD79-47F9-9F48-5767E2CF4D66}" type="presOf" srcId="{5A47EE38-F165-4EF8-861E-E0BC44CA47A7}" destId="{360D9B67-EF24-40B3-B992-D520EA149F07}" srcOrd="0" destOrd="0" presId="urn:microsoft.com/office/officeart/2005/8/layout/StepDownProcess"/>
@@ -3292,6 +3299,13 @@
         </dgm:presLayoutVars>
       </dgm:prSet>
       <dgm:spPr/>
+      <dgm:t>
+        <a:bodyPr/>
+        <a:lstStyle/>
+        <a:p>
+          <a:endParaRPr lang="en-US"/>
+        </a:p>
+      </dgm:t>
     </dgm:pt>
     <dgm:pt modelId="{765B107F-5E88-43BF-B719-AC4419EF1E87}" type="pres">
       <dgm:prSet presAssocID="{ED6C60D7-D9D7-429E-A3F0-78433A2046D2}" presName="parentText1" presStyleLbl="node1" presStyleIdx="0" presStyleCnt="3">
@@ -3302,6 +3316,13 @@
         </dgm:presLayoutVars>
       </dgm:prSet>
       <dgm:spPr/>
+      <dgm:t>
+        <a:bodyPr/>
+        <a:lstStyle/>
+        <a:p>
+          <a:endParaRPr lang="en-US"/>
+        </a:p>
+      </dgm:t>
     </dgm:pt>
     <dgm:pt modelId="{B07ECDF8-A33E-4F9D-997F-DB29194F7872}" type="pres">
       <dgm:prSet presAssocID="{ED6C60D7-D9D7-429E-A3F0-78433A2046D2}" presName="childText1" presStyleLbl="solidAlignAcc1" presStyleIdx="0" presStyleCnt="3">
@@ -3363,6 +3384,13 @@
         </dgm:presLayoutVars>
       </dgm:prSet>
       <dgm:spPr/>
+      <dgm:t>
+        <a:bodyPr/>
+        <a:lstStyle/>
+        <a:p>
+          <a:endParaRPr lang="en-US"/>
+        </a:p>
+      </dgm:t>
     </dgm:pt>
     <dgm:pt modelId="{3AA35833-D6C3-4AF6-9DDC-F970E491D529}" type="pres">
       <dgm:prSet presAssocID="{1BF151A4-68A5-4D52-BC93-84C0E28C256D}" presName="childText3" presStyleLbl="solidAlignAcc1" presStyleIdx="2" presStyleCnt="3">
@@ -3668,10 +3696,24 @@
     <dgm:pt modelId="{35439979-DE5C-45A7-81A7-821180DF5751}" type="pres">
       <dgm:prSet presAssocID="{369261CB-F9AA-4057-B78B-C2A681BC2E05}" presName="sibTrans" presStyleLbl="sibTrans2D1" presStyleIdx="0" presStyleCnt="5"/>
       <dgm:spPr/>
+      <dgm:t>
+        <a:bodyPr/>
+        <a:lstStyle/>
+        <a:p>
+          <a:endParaRPr lang="en-US"/>
+        </a:p>
+      </dgm:t>
     </dgm:pt>
     <dgm:pt modelId="{6445564B-1046-412C-ABFD-804174A8B99D}" type="pres">
       <dgm:prSet presAssocID="{369261CB-F9AA-4057-B78B-C2A681BC2E05}" presName="connectorText" presStyleLbl="sibTrans2D1" presStyleIdx="0" presStyleCnt="5"/>
       <dgm:spPr/>
+      <dgm:t>
+        <a:bodyPr/>
+        <a:lstStyle/>
+        <a:p>
+          <a:endParaRPr lang="en-US"/>
+        </a:p>
+      </dgm:t>
     </dgm:pt>
     <dgm:pt modelId="{B4F36CAF-066A-44E3-847D-2C31E51C1B33}" type="pres">
       <dgm:prSet presAssocID="{B38C8503-4A93-468B-9E46-8C5C02DA9FB6}" presName="node" presStyleLbl="node1" presStyleIdx="1" presStyleCnt="6">
@@ -3691,10 +3733,24 @@
     <dgm:pt modelId="{C14826A1-ECE6-4BB8-B360-CC03E34DD610}" type="pres">
       <dgm:prSet presAssocID="{0F800C35-D7BC-4A86-8A8A-9AF290BD597E}" presName="sibTrans" presStyleLbl="sibTrans2D1" presStyleIdx="1" presStyleCnt="5"/>
       <dgm:spPr/>
+      <dgm:t>
+        <a:bodyPr/>
+        <a:lstStyle/>
+        <a:p>
+          <a:endParaRPr lang="en-US"/>
+        </a:p>
+      </dgm:t>
     </dgm:pt>
     <dgm:pt modelId="{800DDF31-1AB2-42DB-B546-AD1B4ADB039A}" type="pres">
       <dgm:prSet presAssocID="{0F800C35-D7BC-4A86-8A8A-9AF290BD597E}" presName="connectorText" presStyleLbl="sibTrans2D1" presStyleIdx="1" presStyleCnt="5"/>
       <dgm:spPr/>
+      <dgm:t>
+        <a:bodyPr/>
+        <a:lstStyle/>
+        <a:p>
+          <a:endParaRPr lang="en-US"/>
+        </a:p>
+      </dgm:t>
     </dgm:pt>
     <dgm:pt modelId="{19CEFFA5-3D6A-4A69-AC7F-561C89B0CCEF}" type="pres">
       <dgm:prSet presAssocID="{640DDBE1-B535-4AA6-8B63-5B33AA102472}" presName="node" presStyleLbl="node1" presStyleIdx="2" presStyleCnt="6">
@@ -3714,10 +3770,24 @@
     <dgm:pt modelId="{B4C5A292-BABC-4271-83C1-3E100DD3D1AF}" type="pres">
       <dgm:prSet presAssocID="{16990E48-03D2-4A6D-84B4-4E45F668EC81}" presName="sibTrans" presStyleLbl="sibTrans2D1" presStyleIdx="2" presStyleCnt="5"/>
       <dgm:spPr/>
+      <dgm:t>
+        <a:bodyPr/>
+        <a:lstStyle/>
+        <a:p>
+          <a:endParaRPr lang="en-US"/>
+        </a:p>
+      </dgm:t>
     </dgm:pt>
     <dgm:pt modelId="{F4DF8DEE-67EB-42C5-9242-6F0E79252884}" type="pres">
       <dgm:prSet presAssocID="{16990E48-03D2-4A6D-84B4-4E45F668EC81}" presName="connectorText" presStyleLbl="sibTrans2D1" presStyleIdx="2" presStyleCnt="5"/>
       <dgm:spPr/>
+      <dgm:t>
+        <a:bodyPr/>
+        <a:lstStyle/>
+        <a:p>
+          <a:endParaRPr lang="en-US"/>
+        </a:p>
+      </dgm:t>
     </dgm:pt>
     <dgm:pt modelId="{7022C993-E652-41E3-929A-FC82DBB7A720}" type="pres">
       <dgm:prSet presAssocID="{DC04FD56-D681-4DCD-BF1A-5C1FD66F34FC}" presName="node" presStyleLbl="node1" presStyleIdx="3" presStyleCnt="6">
@@ -3726,14 +3796,35 @@
         </dgm:presLayoutVars>
       </dgm:prSet>
       <dgm:spPr/>
+      <dgm:t>
+        <a:bodyPr/>
+        <a:lstStyle/>
+        <a:p>
+          <a:endParaRPr lang="en-US"/>
+        </a:p>
+      </dgm:t>
     </dgm:pt>
     <dgm:pt modelId="{CC185135-1327-4BA5-8666-E157B229F48E}" type="pres">
       <dgm:prSet presAssocID="{12F3A9C6-F088-449A-94B0-6E0D8FBE83E2}" presName="sibTrans" presStyleLbl="sibTrans2D1" presStyleIdx="3" presStyleCnt="5"/>
       <dgm:spPr/>
+      <dgm:t>
+        <a:bodyPr/>
+        <a:lstStyle/>
+        <a:p>
+          <a:endParaRPr lang="en-US"/>
+        </a:p>
+      </dgm:t>
     </dgm:pt>
     <dgm:pt modelId="{2F0EB2D7-2222-48DF-B119-5AD9B4599EF2}" type="pres">
       <dgm:prSet presAssocID="{12F3A9C6-F088-449A-94B0-6E0D8FBE83E2}" presName="connectorText" presStyleLbl="sibTrans2D1" presStyleIdx="3" presStyleCnt="5"/>
       <dgm:spPr/>
+      <dgm:t>
+        <a:bodyPr/>
+        <a:lstStyle/>
+        <a:p>
+          <a:endParaRPr lang="en-US"/>
+        </a:p>
+      </dgm:t>
     </dgm:pt>
     <dgm:pt modelId="{96075F54-5813-41F7-AB55-6A4D4A17D79E}" type="pres">
       <dgm:prSet presAssocID="{F11FD9D3-9159-41D7-8925-61859556A73C}" presName="node" presStyleLbl="node1" presStyleIdx="4" presStyleCnt="6">
@@ -3753,10 +3844,24 @@
     <dgm:pt modelId="{A4BCEA71-ADC1-4CEB-988C-873A2ED389F6}" type="pres">
       <dgm:prSet presAssocID="{5D27CC88-F3A0-4D93-95DB-0A3E5C04A346}" presName="sibTrans" presStyleLbl="sibTrans2D1" presStyleIdx="4" presStyleCnt="5"/>
       <dgm:spPr/>
+      <dgm:t>
+        <a:bodyPr/>
+        <a:lstStyle/>
+        <a:p>
+          <a:endParaRPr lang="en-US"/>
+        </a:p>
+      </dgm:t>
     </dgm:pt>
     <dgm:pt modelId="{9CFE19B3-B176-4169-B22A-F461E620E839}" type="pres">
       <dgm:prSet presAssocID="{5D27CC88-F3A0-4D93-95DB-0A3E5C04A346}" presName="connectorText" presStyleLbl="sibTrans2D1" presStyleIdx="4" presStyleCnt="5"/>
       <dgm:spPr/>
+      <dgm:t>
+        <a:bodyPr/>
+        <a:lstStyle/>
+        <a:p>
+          <a:endParaRPr lang="en-US"/>
+        </a:p>
+      </dgm:t>
     </dgm:pt>
     <dgm:pt modelId="{DB514ECC-24BA-4B34-A4D7-0230C028860E}" type="pres">
       <dgm:prSet presAssocID="{2206EFFA-6190-4B0D-A55F-13F598E413D7}" presName="node" presStyleLbl="node1" presStyleIdx="5" presStyleCnt="6">
@@ -3765,32 +3870,39 @@
         </dgm:presLayoutVars>
       </dgm:prSet>
       <dgm:spPr/>
+      <dgm:t>
+        <a:bodyPr/>
+        <a:lstStyle/>
+        <a:p>
+          <a:endParaRPr lang="en-US"/>
+        </a:p>
+      </dgm:t>
     </dgm:pt>
   </dgm:ptLst>
   <dgm:cxnLst>
-    <dgm:cxn modelId="{F102FB4E-03F2-48C1-BBDE-2AD071C644E7}" type="presOf" srcId="{DC04FD56-D681-4DCD-BF1A-5C1FD66F34FC}" destId="{7022C993-E652-41E3-929A-FC82DBB7A720}" srcOrd="0" destOrd="0" presId="urn:microsoft.com/office/officeart/2005/8/layout/process2"/>
-    <dgm:cxn modelId="{D2ED91D0-6D13-4EE9-90C4-E5CE08150F8B}" type="presOf" srcId="{5D27CC88-F3A0-4D93-95DB-0A3E5C04A346}" destId="{9CFE19B3-B176-4169-B22A-F461E620E839}" srcOrd="1" destOrd="0" presId="urn:microsoft.com/office/officeart/2005/8/layout/process2"/>
-    <dgm:cxn modelId="{49ECD6CB-959B-4EB7-82CF-27AE86D0EA14}" type="presOf" srcId="{013A7E24-B1B3-4857-A89E-5D3E0B2FD245}" destId="{FB472DC9-301E-410C-B8BD-52C71100978A}" srcOrd="0" destOrd="0" presId="urn:microsoft.com/office/officeart/2005/8/layout/process2"/>
+    <dgm:cxn modelId="{C861FBF9-5167-4874-8753-0F268251B231}" type="presOf" srcId="{16990E48-03D2-4A6D-84B4-4E45F668EC81}" destId="{B4C5A292-BABC-4271-83C1-3E100DD3D1AF}" srcOrd="0" destOrd="0" presId="urn:microsoft.com/office/officeart/2005/8/layout/process2"/>
     <dgm:cxn modelId="{10F4F323-99A2-47FF-A99B-755337C81ACA}" srcId="{8D7044C6-8C33-4A74-9E28-4D3E2B47B3D1}" destId="{2206EFFA-6190-4B0D-A55F-13F598E413D7}" srcOrd="5" destOrd="0" parTransId="{0298E662-C3E1-40D4-9502-B99001B9643A}" sibTransId="{9253246D-49F1-434E-963E-CB3F75041260}"/>
     <dgm:cxn modelId="{8DEA6B0C-BE58-4310-8865-92B3AE55CF5B}" type="presOf" srcId="{B38C8503-4A93-468B-9E46-8C5C02DA9FB6}" destId="{B4F36CAF-066A-44E3-847D-2C31E51C1B33}" srcOrd="0" destOrd="0" presId="urn:microsoft.com/office/officeart/2005/8/layout/process2"/>
+    <dgm:cxn modelId="{49ECD6CB-959B-4EB7-82CF-27AE86D0EA14}" type="presOf" srcId="{013A7E24-B1B3-4857-A89E-5D3E0B2FD245}" destId="{FB472DC9-301E-410C-B8BD-52C71100978A}" srcOrd="0" destOrd="0" presId="urn:microsoft.com/office/officeart/2005/8/layout/process2"/>
+    <dgm:cxn modelId="{F102FB4E-03F2-48C1-BBDE-2AD071C644E7}" type="presOf" srcId="{DC04FD56-D681-4DCD-BF1A-5C1FD66F34FC}" destId="{7022C993-E652-41E3-929A-FC82DBB7A720}" srcOrd="0" destOrd="0" presId="urn:microsoft.com/office/officeart/2005/8/layout/process2"/>
+    <dgm:cxn modelId="{433EE92C-B645-4516-91A8-F94455DD80A0}" srcId="{8D7044C6-8C33-4A74-9E28-4D3E2B47B3D1}" destId="{013A7E24-B1B3-4857-A89E-5D3E0B2FD245}" srcOrd="0" destOrd="0" parTransId="{39C71386-9F8F-402D-9406-36B808369472}" sibTransId="{369261CB-F9AA-4057-B78B-C2A681BC2E05}"/>
+    <dgm:cxn modelId="{C96025F5-684F-440F-945C-BE67274FA24A}" type="presOf" srcId="{2206EFFA-6190-4B0D-A55F-13F598E413D7}" destId="{DB514ECC-24BA-4B34-A4D7-0230C028860E}" srcOrd="0" destOrd="0" presId="urn:microsoft.com/office/officeart/2005/8/layout/process2"/>
+    <dgm:cxn modelId="{5637F28D-1EB2-4064-9CB3-EF9C7D4F66BB}" type="presOf" srcId="{F11FD9D3-9159-41D7-8925-61859556A73C}" destId="{96075F54-5813-41F7-AB55-6A4D4A17D79E}" srcOrd="0" destOrd="0" presId="urn:microsoft.com/office/officeart/2005/8/layout/process2"/>
+    <dgm:cxn modelId="{D5E4D3C0-8805-410B-BCD8-646E7C304B4A}" type="presOf" srcId="{8D7044C6-8C33-4A74-9E28-4D3E2B47B3D1}" destId="{E75A9D56-5566-4B18-A360-5A3C017B47D6}" srcOrd="0" destOrd="0" presId="urn:microsoft.com/office/officeart/2005/8/layout/process2"/>
+    <dgm:cxn modelId="{8A2DAC19-00F7-45B9-BEDF-E2BB6FBC657D}" type="presOf" srcId="{5D27CC88-F3A0-4D93-95DB-0A3E5C04A346}" destId="{A4BCEA71-ADC1-4CEB-988C-873A2ED389F6}" srcOrd="0" destOrd="0" presId="urn:microsoft.com/office/officeart/2005/8/layout/process2"/>
+    <dgm:cxn modelId="{0C379E1C-35AD-40A0-9DA2-C8ADCF4B6886}" type="presOf" srcId="{369261CB-F9AA-4057-B78B-C2A681BC2E05}" destId="{35439979-DE5C-45A7-81A7-821180DF5751}" srcOrd="0" destOrd="0" presId="urn:microsoft.com/office/officeart/2005/8/layout/process2"/>
+    <dgm:cxn modelId="{4177AA54-C7CD-4CB2-AE56-A40857C480FD}" srcId="{8D7044C6-8C33-4A74-9E28-4D3E2B47B3D1}" destId="{F11FD9D3-9159-41D7-8925-61859556A73C}" srcOrd="4" destOrd="0" parTransId="{DDFCF448-6627-415B-8D72-EEAC9CA63C5E}" sibTransId="{5D27CC88-F3A0-4D93-95DB-0A3E5C04A346}"/>
+    <dgm:cxn modelId="{0E5A8C11-9235-47C3-A132-29ABA103C2BD}" type="presOf" srcId="{640DDBE1-B535-4AA6-8B63-5B33AA102472}" destId="{19CEFFA5-3D6A-4A69-AC7F-561C89B0CCEF}" srcOrd="0" destOrd="0" presId="urn:microsoft.com/office/officeart/2005/8/layout/process2"/>
+    <dgm:cxn modelId="{D2ED91D0-6D13-4EE9-90C4-E5CE08150F8B}" type="presOf" srcId="{5D27CC88-F3A0-4D93-95DB-0A3E5C04A346}" destId="{9CFE19B3-B176-4169-B22A-F461E620E839}" srcOrd="1" destOrd="0" presId="urn:microsoft.com/office/officeart/2005/8/layout/process2"/>
+    <dgm:cxn modelId="{D7ED66D9-3B33-4D4F-B282-1487603E224F}" type="presOf" srcId="{12F3A9C6-F088-449A-94B0-6E0D8FBE83E2}" destId="{2F0EB2D7-2222-48DF-B119-5AD9B4599EF2}" srcOrd="1" destOrd="0" presId="urn:microsoft.com/office/officeart/2005/8/layout/process2"/>
+    <dgm:cxn modelId="{A49D7A48-481C-48F3-8F2F-3F4AC333DAB8}" type="presOf" srcId="{16990E48-03D2-4A6D-84B4-4E45F668EC81}" destId="{F4DF8DEE-67EB-42C5-9242-6F0E79252884}" srcOrd="1" destOrd="0" presId="urn:microsoft.com/office/officeart/2005/8/layout/process2"/>
+    <dgm:cxn modelId="{4490C5BA-79D2-4990-B84C-DE4DB077ABF5}" type="presOf" srcId="{0F800C35-D7BC-4A86-8A8A-9AF290BD597E}" destId="{800DDF31-1AB2-42DB-B546-AD1B4ADB039A}" srcOrd="1" destOrd="0" presId="urn:microsoft.com/office/officeart/2005/8/layout/process2"/>
+    <dgm:cxn modelId="{B07F464F-21CB-4CF5-AD7B-E4B257B17A26}" srcId="{8D7044C6-8C33-4A74-9E28-4D3E2B47B3D1}" destId="{DC04FD56-D681-4DCD-BF1A-5C1FD66F34FC}" srcOrd="3" destOrd="0" parTransId="{DEA35358-E9A0-46C1-BA7B-94C14E7201C0}" sibTransId="{12F3A9C6-F088-449A-94B0-6E0D8FBE83E2}"/>
+    <dgm:cxn modelId="{FAA4BBEC-B147-4D6C-A420-AACC60A1DCBC}" srcId="{8D7044C6-8C33-4A74-9E28-4D3E2B47B3D1}" destId="{640DDBE1-B535-4AA6-8B63-5B33AA102472}" srcOrd="2" destOrd="0" parTransId="{71C41D76-4520-4603-926D-F3BF19AA752B}" sibTransId="{16990E48-03D2-4A6D-84B4-4E45F668EC81}"/>
+    <dgm:cxn modelId="{009D60D6-0D48-48AE-BFF8-B6782DAE3EE1}" type="presOf" srcId="{0F800C35-D7BC-4A86-8A8A-9AF290BD597E}" destId="{C14826A1-ECE6-4BB8-B360-CC03E34DD610}" srcOrd="0" destOrd="0" presId="urn:microsoft.com/office/officeart/2005/8/layout/process2"/>
     <dgm:cxn modelId="{069D5F35-0DAF-4B7E-B77C-1999651245D0}" type="presOf" srcId="{12F3A9C6-F088-449A-94B0-6E0D8FBE83E2}" destId="{CC185135-1327-4BA5-8666-E157B229F48E}" srcOrd="0" destOrd="0" presId="urn:microsoft.com/office/officeart/2005/8/layout/process2"/>
-    <dgm:cxn modelId="{C96025F5-684F-440F-945C-BE67274FA24A}" type="presOf" srcId="{2206EFFA-6190-4B0D-A55F-13F598E413D7}" destId="{DB514ECC-24BA-4B34-A4D7-0230C028860E}" srcOrd="0" destOrd="0" presId="urn:microsoft.com/office/officeart/2005/8/layout/process2"/>
-    <dgm:cxn modelId="{C861FBF9-5167-4874-8753-0F268251B231}" type="presOf" srcId="{16990E48-03D2-4A6D-84B4-4E45F668EC81}" destId="{B4C5A292-BABC-4271-83C1-3E100DD3D1AF}" srcOrd="0" destOrd="0" presId="urn:microsoft.com/office/officeart/2005/8/layout/process2"/>
-    <dgm:cxn modelId="{433EE92C-B645-4516-91A8-F94455DD80A0}" srcId="{8D7044C6-8C33-4A74-9E28-4D3E2B47B3D1}" destId="{013A7E24-B1B3-4857-A89E-5D3E0B2FD245}" srcOrd="0" destOrd="0" parTransId="{39C71386-9F8F-402D-9406-36B808369472}" sibTransId="{369261CB-F9AA-4057-B78B-C2A681BC2E05}"/>
     <dgm:cxn modelId="{83FFBB7E-2612-4E58-AD74-DFF9A39DF718}" type="presOf" srcId="{369261CB-F9AA-4057-B78B-C2A681BC2E05}" destId="{6445564B-1046-412C-ABFD-804174A8B99D}" srcOrd="1" destOrd="0" presId="urn:microsoft.com/office/officeart/2005/8/layout/process2"/>
     <dgm:cxn modelId="{D570C802-2D7C-4FD6-96AF-C2903E6D62DA}" srcId="{8D7044C6-8C33-4A74-9E28-4D3E2B47B3D1}" destId="{B38C8503-4A93-468B-9E46-8C5C02DA9FB6}" srcOrd="1" destOrd="0" parTransId="{B2843CDA-061C-441D-B2DA-EE4A249A2BBD}" sibTransId="{0F800C35-D7BC-4A86-8A8A-9AF290BD597E}"/>
-    <dgm:cxn modelId="{D5E4D3C0-8805-410B-BCD8-646E7C304B4A}" type="presOf" srcId="{8D7044C6-8C33-4A74-9E28-4D3E2B47B3D1}" destId="{E75A9D56-5566-4B18-A360-5A3C017B47D6}" srcOrd="0" destOrd="0" presId="urn:microsoft.com/office/officeart/2005/8/layout/process2"/>
-    <dgm:cxn modelId="{4177AA54-C7CD-4CB2-AE56-A40857C480FD}" srcId="{8D7044C6-8C33-4A74-9E28-4D3E2B47B3D1}" destId="{F11FD9D3-9159-41D7-8925-61859556A73C}" srcOrd="4" destOrd="0" parTransId="{DDFCF448-6627-415B-8D72-EEAC9CA63C5E}" sibTransId="{5D27CC88-F3A0-4D93-95DB-0A3E5C04A346}"/>
-    <dgm:cxn modelId="{0E5A8C11-9235-47C3-A132-29ABA103C2BD}" type="presOf" srcId="{640DDBE1-B535-4AA6-8B63-5B33AA102472}" destId="{19CEFFA5-3D6A-4A69-AC7F-561C89B0CCEF}" srcOrd="0" destOrd="0" presId="urn:microsoft.com/office/officeart/2005/8/layout/process2"/>
-    <dgm:cxn modelId="{FAA4BBEC-B147-4D6C-A420-AACC60A1DCBC}" srcId="{8D7044C6-8C33-4A74-9E28-4D3E2B47B3D1}" destId="{640DDBE1-B535-4AA6-8B63-5B33AA102472}" srcOrd="2" destOrd="0" parTransId="{71C41D76-4520-4603-926D-F3BF19AA752B}" sibTransId="{16990E48-03D2-4A6D-84B4-4E45F668EC81}"/>
-    <dgm:cxn modelId="{009D60D6-0D48-48AE-BFF8-B6782DAE3EE1}" type="presOf" srcId="{0F800C35-D7BC-4A86-8A8A-9AF290BD597E}" destId="{C14826A1-ECE6-4BB8-B360-CC03E34DD610}" srcOrd="0" destOrd="0" presId="urn:microsoft.com/office/officeart/2005/8/layout/process2"/>
-    <dgm:cxn modelId="{0C379E1C-35AD-40A0-9DA2-C8ADCF4B6886}" type="presOf" srcId="{369261CB-F9AA-4057-B78B-C2A681BC2E05}" destId="{35439979-DE5C-45A7-81A7-821180DF5751}" srcOrd="0" destOrd="0" presId="urn:microsoft.com/office/officeart/2005/8/layout/process2"/>
-    <dgm:cxn modelId="{5637F28D-1EB2-4064-9CB3-EF9C7D4F66BB}" type="presOf" srcId="{F11FD9D3-9159-41D7-8925-61859556A73C}" destId="{96075F54-5813-41F7-AB55-6A4D4A17D79E}" srcOrd="0" destOrd="0" presId="urn:microsoft.com/office/officeart/2005/8/layout/process2"/>
-    <dgm:cxn modelId="{D7ED66D9-3B33-4D4F-B282-1487603E224F}" type="presOf" srcId="{12F3A9C6-F088-449A-94B0-6E0D8FBE83E2}" destId="{2F0EB2D7-2222-48DF-B119-5AD9B4599EF2}" srcOrd="1" destOrd="0" presId="urn:microsoft.com/office/officeart/2005/8/layout/process2"/>
-    <dgm:cxn modelId="{4490C5BA-79D2-4990-B84C-DE4DB077ABF5}" type="presOf" srcId="{0F800C35-D7BC-4A86-8A8A-9AF290BD597E}" destId="{800DDF31-1AB2-42DB-B546-AD1B4ADB039A}" srcOrd="1" destOrd="0" presId="urn:microsoft.com/office/officeart/2005/8/layout/process2"/>
-    <dgm:cxn modelId="{A49D7A48-481C-48F3-8F2F-3F4AC333DAB8}" type="presOf" srcId="{16990E48-03D2-4A6D-84B4-4E45F668EC81}" destId="{F4DF8DEE-67EB-42C5-9242-6F0E79252884}" srcOrd="1" destOrd="0" presId="urn:microsoft.com/office/officeart/2005/8/layout/process2"/>
-    <dgm:cxn modelId="{B07F464F-21CB-4CF5-AD7B-E4B257B17A26}" srcId="{8D7044C6-8C33-4A74-9E28-4D3E2B47B3D1}" destId="{DC04FD56-D681-4DCD-BF1A-5C1FD66F34FC}" srcOrd="3" destOrd="0" parTransId="{DEA35358-E9A0-46C1-BA7B-94C14E7201C0}" sibTransId="{12F3A9C6-F088-449A-94B0-6E0D8FBE83E2}"/>
-    <dgm:cxn modelId="{8A2DAC19-00F7-45B9-BEDF-E2BB6FBC657D}" type="presOf" srcId="{5D27CC88-F3A0-4D93-95DB-0A3E5C04A346}" destId="{A4BCEA71-ADC1-4CEB-988C-873A2ED389F6}" srcOrd="0" destOrd="0" presId="urn:microsoft.com/office/officeart/2005/8/layout/process2"/>
     <dgm:cxn modelId="{507B22AE-AB34-4488-AEFF-F8CCD8968740}" type="presParOf" srcId="{E75A9D56-5566-4B18-A360-5A3C017B47D6}" destId="{FB472DC9-301E-410C-B8BD-52C71100978A}" srcOrd="0" destOrd="0" presId="urn:microsoft.com/office/officeart/2005/8/layout/process2"/>
     <dgm:cxn modelId="{11FCBB83-FF69-4427-9813-5858F4CB0761}" type="presParOf" srcId="{E75A9D56-5566-4B18-A360-5A3C017B47D6}" destId="{35439979-DE5C-45A7-81A7-821180DF5751}" srcOrd="1" destOrd="0" presId="urn:microsoft.com/office/officeart/2005/8/layout/process2"/>
     <dgm:cxn modelId="{EC3B525A-CB4C-4F1D-8C1B-BACD554A4335}" type="presParOf" srcId="{35439979-DE5C-45A7-81A7-821180DF5751}" destId="{6445564B-1046-412C-ABFD-804174A8B99D}" srcOrd="0" destOrd="0" presId="urn:microsoft.com/office/officeart/2005/8/layout/process2"/>
@@ -3833,8 +3945,8 @@
       </dsp:nvSpPr>
       <dsp:spPr>
         <a:xfrm rot="5400000">
-          <a:off x="869172" y="883425"/>
-          <a:ext cx="711098" cy="773055"/>
+          <a:off x="761312" y="914843"/>
+          <a:ext cx="735298" cy="799363"/>
         </a:xfrm>
         <a:prstGeom prst="bentUpArrow">
           <a:avLst>
@@ -3892,8 +4004,8 @@
       </dsp:nvSpPr>
       <dsp:spPr>
         <a:xfrm>
-          <a:off x="224891" y="166744"/>
-          <a:ext cx="1768644" cy="748379"/>
+          <a:off x="95105" y="173773"/>
+          <a:ext cx="1828834" cy="773848"/>
         </a:xfrm>
         <a:prstGeom prst="roundRect">
           <a:avLst>
@@ -3968,12 +4080,12 @@
         </a:fontRef>
       </dsp:style>
       <dsp:txBody>
-        <a:bodyPr spcFirstLastPara="0" vert="horz" wrap="square" lIns="83820" tIns="83820" rIns="83820" bIns="83820" numCol="1" spcCol="1270" anchor="ctr" anchorCtr="0">
+        <a:bodyPr spcFirstLastPara="0" vert="horz" wrap="square" lIns="87630" tIns="87630" rIns="87630" bIns="87630" numCol="1" spcCol="1270" anchor="ctr" anchorCtr="0">
           <a:noAutofit/>
         </a:bodyPr>
         <a:lstStyle/>
         <a:p>
-          <a:pPr lvl="0" algn="ctr" defTabSz="977900">
+          <a:pPr lvl="0" algn="ctr" defTabSz="1022350">
             <a:lnSpc>
               <a:spcPct val="90000"/>
             </a:lnSpc>
@@ -3985,15 +4097,15 @@
             </a:spcAft>
           </a:pPr>
           <a:r>
-            <a:rPr lang="en-US" sz="2200" kern="1200" dirty="0" smtClean="0"/>
+            <a:rPr lang="en-US" sz="2300" kern="1200" dirty="0" smtClean="0"/>
             <a:t>Input Matrix</a:t>
           </a:r>
-          <a:endParaRPr lang="en-US" sz="2200" kern="1200" dirty="0"/>
+          <a:endParaRPr lang="en-US" sz="2300" kern="1200" dirty="0"/>
         </a:p>
       </dsp:txBody>
       <dsp:txXfrm>
-        <a:off x="261430" y="203283"/>
-        <a:ext cx="1695566" cy="675301"/>
+        <a:off x="132888" y="211556"/>
+        <a:ext cx="1753268" cy="698282"/>
       </dsp:txXfrm>
     </dsp:sp>
     <dsp:sp modelId="{D7CF5C87-FAA9-47BB-A1CE-CEAF4F084908}">
@@ -4003,8 +4115,8 @@
       </dsp:nvSpPr>
       <dsp:spPr>
         <a:xfrm>
-          <a:off x="1876485" y="79642"/>
-          <a:ext cx="3197116" cy="1000601"/>
+          <a:off x="1802905" y="83706"/>
+          <a:ext cx="3305919" cy="1034653"/>
         </a:xfrm>
         <a:prstGeom prst="rect">
           <a:avLst/>
@@ -4028,12 +4140,12 @@
         <a:fontRef idx="minor"/>
       </dsp:style>
       <dsp:txBody>
-        <a:bodyPr spcFirstLastPara="0" vert="horz" wrap="square" lIns="83820" tIns="83820" rIns="83820" bIns="83820" numCol="1" spcCol="1270" anchor="ctr" anchorCtr="0">
+        <a:bodyPr spcFirstLastPara="0" vert="horz" wrap="square" lIns="87630" tIns="87630" rIns="87630" bIns="87630" numCol="1" spcCol="1270" anchor="ctr" anchorCtr="0">
           <a:noAutofit/>
         </a:bodyPr>
         <a:lstStyle/>
         <a:p>
-          <a:pPr marL="171450" lvl="1" indent="-171450" algn="l" defTabSz="755650">
+          <a:pPr marL="171450" lvl="1" indent="-171450" algn="l" defTabSz="800100">
             <a:lnSpc>
               <a:spcPct val="90000"/>
             </a:lnSpc>
@@ -4046,15 +4158,15 @@
             <a:buChar char="••"/>
           </a:pPr>
           <a:r>
-            <a:rPr lang="en-US" sz="1700" kern="1200" dirty="0" smtClean="0"/>
+            <a:rPr lang="en-US" sz="1800" kern="1200" dirty="0" smtClean="0"/>
             <a:t>Data Set</a:t>
           </a:r>
-          <a:endParaRPr lang="en-US" sz="1700" kern="1200" dirty="0"/>
+          <a:endParaRPr lang="en-US" sz="1800" kern="1200" dirty="0"/>
         </a:p>
       </dsp:txBody>
       <dsp:txXfrm>
-        <a:off x="1876485" y="79642"/>
-        <a:ext cx="3197116" cy="1000601"/>
+        <a:off x="1802905" y="83706"/>
+        <a:ext cx="3305919" cy="1034653"/>
       </dsp:txXfrm>
     </dsp:sp>
     <dsp:sp modelId="{F2FAB72E-B584-4B4D-ABEA-1CED358ABCD0}">
@@ -4064,8 +4176,8 @@
       </dsp:nvSpPr>
       <dsp:spPr>
         <a:xfrm rot="5400000">
-          <a:off x="2243857" y="1732796"/>
-          <a:ext cx="1050631" cy="1196106"/>
+          <a:off x="2325622" y="1712977"/>
+          <a:ext cx="852769" cy="1236811"/>
         </a:xfrm>
         <a:prstGeom prst="bentUpArrow">
           <a:avLst>
@@ -4123,8 +4235,8 @@
       </dsp:nvSpPr>
       <dsp:spPr>
         <a:xfrm>
-          <a:off x="1602759" y="1155972"/>
-          <a:ext cx="1768644" cy="633766"/>
+          <a:off x="1519863" y="1196665"/>
+          <a:ext cx="1828834" cy="655334"/>
         </a:xfrm>
         <a:prstGeom prst="roundRect">
           <a:avLst>
@@ -4199,12 +4311,12 @@
         </a:fontRef>
       </dsp:style>
       <dsp:txBody>
-        <a:bodyPr spcFirstLastPara="0" vert="horz" wrap="square" lIns="83820" tIns="83820" rIns="83820" bIns="83820" numCol="1" spcCol="1270" anchor="ctr" anchorCtr="0">
+        <a:bodyPr spcFirstLastPara="0" vert="horz" wrap="square" lIns="87630" tIns="87630" rIns="87630" bIns="87630" numCol="1" spcCol="1270" anchor="ctr" anchorCtr="0">
           <a:noAutofit/>
         </a:bodyPr>
         <a:lstStyle/>
         <a:p>
-          <a:pPr lvl="0" algn="ctr" defTabSz="977900">
+          <a:pPr lvl="0" algn="ctr" defTabSz="1022350">
             <a:lnSpc>
               <a:spcPct val="90000"/>
             </a:lnSpc>
@@ -4216,15 +4328,15 @@
             </a:spcAft>
           </a:pPr>
           <a:r>
-            <a:rPr lang="en-US" sz="2200" kern="1200" dirty="0" smtClean="0"/>
+            <a:rPr lang="en-US" sz="2300" kern="1200" dirty="0" smtClean="0"/>
             <a:t>Training </a:t>
           </a:r>
-          <a:endParaRPr lang="en-US" sz="2200" kern="1200" dirty="0"/>
+          <a:endParaRPr lang="en-US" sz="2300" kern="1200" dirty="0"/>
         </a:p>
       </dsp:txBody>
       <dsp:txXfrm>
-        <a:off x="1633702" y="1186915"/>
-        <a:ext cx="1706758" cy="571880"/>
+        <a:off x="1551860" y="1228662"/>
+        <a:ext cx="1764840" cy="591340"/>
       </dsp:txXfrm>
     </dsp:sp>
     <dsp:sp modelId="{B139DA82-CE7A-4B99-80D5-A8FAF682C801}">
@@ -4234,8 +4346,8 @@
       </dsp:nvSpPr>
       <dsp:spPr>
         <a:xfrm>
-          <a:off x="3151604" y="1082951"/>
-          <a:ext cx="4470468" cy="1000601"/>
+          <a:off x="3121418" y="1121159"/>
+          <a:ext cx="4622604" cy="1034653"/>
         </a:xfrm>
         <a:prstGeom prst="rect">
           <a:avLst/>
@@ -4259,12 +4371,12 @@
         <a:fontRef idx="minor"/>
       </dsp:style>
       <dsp:txBody>
-        <a:bodyPr spcFirstLastPara="0" vert="horz" wrap="square" lIns="83820" tIns="83820" rIns="83820" bIns="83820" numCol="1" spcCol="1270" anchor="ctr" anchorCtr="0">
+        <a:bodyPr spcFirstLastPara="0" vert="horz" wrap="square" lIns="87630" tIns="87630" rIns="87630" bIns="87630" numCol="1" spcCol="1270" anchor="ctr" anchorCtr="0">
           <a:noAutofit/>
         </a:bodyPr>
         <a:lstStyle/>
         <a:p>
-          <a:pPr marL="171450" lvl="1" indent="-171450" algn="l" defTabSz="755650">
+          <a:pPr marL="171450" lvl="1" indent="-171450" algn="l" defTabSz="800100">
             <a:lnSpc>
               <a:spcPct val="90000"/>
             </a:lnSpc>
@@ -4277,13 +4389,13 @@
             <a:buChar char="••"/>
           </a:pPr>
           <a:r>
-            <a:rPr lang="en-US" sz="1700" kern="1200" dirty="0" smtClean="0"/>
+            <a:rPr lang="en-US" sz="1800" kern="1200" dirty="0" smtClean="0"/>
             <a:t>Artificial Neural Networks</a:t>
           </a:r>
-          <a:endParaRPr lang="en-US" sz="1700" kern="1200" dirty="0"/>
+          <a:endParaRPr lang="en-US" sz="1800" kern="1200" dirty="0"/>
         </a:p>
         <a:p>
-          <a:pPr marL="171450" lvl="1" indent="-171450" algn="l" defTabSz="755650">
+          <a:pPr marL="171450" lvl="1" indent="-171450" algn="l" defTabSz="800100">
             <a:lnSpc>
               <a:spcPct val="90000"/>
             </a:lnSpc>
@@ -4296,15 +4408,15 @@
             <a:buChar char="••"/>
           </a:pPr>
           <a:r>
-            <a:rPr lang="en-US" sz="1700" kern="1200" dirty="0" smtClean="0"/>
+            <a:rPr lang="en-US" sz="1800" kern="1200" dirty="0" smtClean="0"/>
             <a:t>Backpropagation Algorithm</a:t>
           </a:r>
-          <a:endParaRPr lang="en-US" sz="1700" kern="1200" dirty="0"/>
+          <a:endParaRPr lang="en-US" sz="1800" kern="1200" dirty="0"/>
         </a:p>
       </dsp:txBody>
       <dsp:txXfrm>
-        <a:off x="3151604" y="1082951"/>
-        <a:ext cx="4470468" cy="1000601"/>
+        <a:off x="3121418" y="1121159"/>
+        <a:ext cx="4622604" cy="1034653"/>
       </dsp:txXfrm>
     </dsp:sp>
     <dsp:sp modelId="{F63F6B45-A9AE-4186-BD27-3A8617F01D18}">
@@ -4314,8 +4426,8 @@
       </dsp:nvSpPr>
       <dsp:spPr>
         <a:xfrm>
-          <a:off x="3389041" y="2171871"/>
-          <a:ext cx="1768644" cy="654750"/>
+          <a:off x="3366936" y="2130328"/>
+          <a:ext cx="1828834" cy="677032"/>
         </a:xfrm>
         <a:prstGeom prst="roundRect">
           <a:avLst>
@@ -4390,12 +4502,12 @@
         </a:fontRef>
       </dsp:style>
       <dsp:txBody>
-        <a:bodyPr spcFirstLastPara="0" vert="horz" wrap="square" lIns="83820" tIns="83820" rIns="83820" bIns="83820" numCol="1" spcCol="1270" anchor="ctr" anchorCtr="0">
+        <a:bodyPr spcFirstLastPara="0" vert="horz" wrap="square" lIns="87630" tIns="87630" rIns="87630" bIns="87630" numCol="1" spcCol="1270" anchor="ctr" anchorCtr="0">
           <a:noAutofit/>
         </a:bodyPr>
         <a:lstStyle/>
         <a:p>
-          <a:pPr lvl="0" algn="ctr" defTabSz="977900">
+          <a:pPr lvl="0" algn="ctr" defTabSz="1022350">
             <a:lnSpc>
               <a:spcPct val="90000"/>
             </a:lnSpc>
@@ -4407,15 +4519,15 @@
             </a:spcAft>
           </a:pPr>
           <a:r>
-            <a:rPr lang="en-US" sz="2200" kern="1200" dirty="0" smtClean="0"/>
+            <a:rPr lang="en-US" sz="2300" kern="1200" dirty="0" smtClean="0"/>
             <a:t>Output </a:t>
           </a:r>
-          <a:endParaRPr lang="en-US" sz="2200" kern="1200" dirty="0"/>
+          <a:endParaRPr lang="en-US" sz="2300" kern="1200" dirty="0"/>
         </a:p>
       </dsp:txBody>
       <dsp:txXfrm>
-        <a:off x="3421009" y="2203839"/>
-        <a:ext cx="1704708" cy="590814"/>
+        <a:off x="3399992" y="2163384"/>
+        <a:ext cx="1762722" cy="610920"/>
       </dsp:txXfrm>
     </dsp:sp>
     <dsp:sp modelId="{ED044216-B860-42F8-B4D9-3D146FA90063}">
@@ -4425,8 +4537,8 @@
       </dsp:nvSpPr>
       <dsp:spPr>
         <a:xfrm>
-          <a:off x="4999532" y="2152063"/>
-          <a:ext cx="2731280" cy="758916"/>
+          <a:off x="5032234" y="2109847"/>
+          <a:ext cx="2824229" cy="784743"/>
         </a:xfrm>
         <a:prstGeom prst="rect">
           <a:avLst/>
@@ -4494,8 +4606,8 @@
         </a:p>
       </dsp:txBody>
       <dsp:txXfrm>
-        <a:off x="4999532" y="2152063"/>
-        <a:ext cx="2731280" cy="758916"/>
+        <a:off x="5032234" y="2109847"/>
+        <a:ext cx="2824229" cy="784743"/>
       </dsp:txXfrm>
     </dsp:sp>
   </dsp:spTree>
@@ -11672,22 +11784,181 @@
           <a:lstStyle/>
           <a:p>
             <a:r>
-              <a:rPr lang="en-US" sz="1200" b="0" i="0" u="none" strike="noStrike" kern="1200" baseline="0" dirty="0" smtClean="0">
+              <a:rPr lang="en-US" sz="1200" b="0" i="0" kern="1200" dirty="0" smtClean="0">
                 <a:solidFill>
                   <a:schemeClr val="tx1"/>
                 </a:solidFill>
+                <a:effectLst/>
                 <a:latin typeface="+mn-lt"/>
                 <a:ea typeface="+mn-ea"/>
                 <a:cs typeface="+mn-cs"/>
               </a:rPr>
-              <a:t>Difference in font and sizes makes recognition task difficult. </a:t>
-            </a:r>
-          </a:p>
-          <a:p>
-            <a:r>
-              <a:rPr lang="en-US" sz="1200" dirty="0" smtClean="0"/>
-              <a:t>Reusing scanned information to read and search content - challenging computation process (Speed of computing &amp; Efficiency matter)</a:t>
-            </a:r>
+              <a:t>10. 12:25 – 12:40 Character Recognition using Neural Networks, </a:t>
+            </a:r>
+            <a:r>
+              <a:rPr lang="en-US" sz="1200" b="0" i="0" kern="1200" dirty="0" err="1" smtClean="0">
+                <a:solidFill>
+                  <a:schemeClr val="tx1"/>
+                </a:solidFill>
+                <a:effectLst/>
+                <a:latin typeface="+mn-lt"/>
+                <a:ea typeface="+mn-ea"/>
+                <a:cs typeface="+mn-cs"/>
+              </a:rPr>
+              <a:t>Akash</a:t>
+            </a:r>
+            <a:r>
+              <a:rPr lang="en-US" sz="1200" b="0" i="0" kern="1200" dirty="0" smtClean="0">
+                <a:solidFill>
+                  <a:schemeClr val="tx1"/>
+                </a:solidFill>
+                <a:effectLst/>
+                <a:latin typeface="+mn-lt"/>
+                <a:ea typeface="+mn-ea"/>
+                <a:cs typeface="+mn-cs"/>
+              </a:rPr>
+              <a:t> </a:t>
+            </a:r>
+            <a:r>
+              <a:rPr lang="en-US" sz="1200" b="0" i="0" kern="1200" dirty="0" err="1" smtClean="0">
+                <a:solidFill>
+                  <a:schemeClr val="tx1"/>
+                </a:solidFill>
+                <a:effectLst/>
+                <a:latin typeface="+mn-lt"/>
+                <a:ea typeface="+mn-ea"/>
+                <a:cs typeface="+mn-cs"/>
+              </a:rPr>
+              <a:t>Mohapatra</a:t>
+            </a:r>
+            <a:r>
+              <a:rPr lang="en-US" sz="1200" b="0" i="0" kern="1200" dirty="0" smtClean="0">
+                <a:solidFill>
+                  <a:schemeClr val="tx1"/>
+                </a:solidFill>
+                <a:effectLst/>
+                <a:latin typeface="+mn-lt"/>
+                <a:ea typeface="+mn-ea"/>
+                <a:cs typeface="+mn-cs"/>
+              </a:rPr>
+              <a:t>, </a:t>
+            </a:r>
+            <a:r>
+              <a:rPr lang="en-US" sz="1200" b="0" i="0" kern="1200" dirty="0" err="1" smtClean="0">
+                <a:solidFill>
+                  <a:schemeClr val="tx1"/>
+                </a:solidFill>
+                <a:effectLst/>
+                <a:latin typeface="+mn-lt"/>
+                <a:ea typeface="+mn-ea"/>
+                <a:cs typeface="+mn-cs"/>
+              </a:rPr>
+              <a:t>Sourav</a:t>
+            </a:r>
+            <a:endParaRPr lang="en-US" sz="1200" b="0" i="0" kern="1200" dirty="0" smtClean="0">
+              <a:solidFill>
+                <a:schemeClr val="tx1"/>
+              </a:solidFill>
+              <a:effectLst/>
+              <a:latin typeface="+mn-lt"/>
+              <a:ea typeface="+mn-ea"/>
+              <a:cs typeface="+mn-cs"/>
+            </a:endParaRPr>
+          </a:p>
+          <a:p>
+            <a:r>
+              <a:rPr lang="en-US" sz="1200" b="0" i="0" kern="1200" dirty="0" err="1" smtClean="0">
+                <a:solidFill>
+                  <a:schemeClr val="tx1"/>
+                </a:solidFill>
+                <a:effectLst/>
+                <a:latin typeface="+mn-lt"/>
+                <a:ea typeface="+mn-ea"/>
+                <a:cs typeface="+mn-cs"/>
+              </a:rPr>
+              <a:t>Chakraborty</a:t>
+            </a:r>
+            <a:r>
+              <a:rPr lang="en-US" sz="1200" b="0" i="0" kern="1200" dirty="0" smtClean="0">
+                <a:solidFill>
+                  <a:schemeClr val="tx1"/>
+                </a:solidFill>
+                <a:effectLst/>
+                <a:latin typeface="+mn-lt"/>
+                <a:ea typeface="+mn-ea"/>
+                <a:cs typeface="+mn-cs"/>
+              </a:rPr>
+              <a:t>, Raja </a:t>
+            </a:r>
+            <a:r>
+              <a:rPr lang="en-US" sz="1200" b="0" i="0" kern="1200" dirty="0" err="1" smtClean="0">
+                <a:solidFill>
+                  <a:schemeClr val="tx1"/>
+                </a:solidFill>
+                <a:effectLst/>
+                <a:latin typeface="+mn-lt"/>
+                <a:ea typeface="+mn-ea"/>
+                <a:cs typeface="+mn-cs"/>
+              </a:rPr>
+              <a:t>Mummidi</a:t>
+            </a:r>
+            <a:r>
+              <a:rPr lang="en-US" sz="1200" b="0" i="0" kern="1200" dirty="0" smtClean="0">
+                <a:solidFill>
+                  <a:schemeClr val="tx1"/>
+                </a:solidFill>
+                <a:effectLst/>
+                <a:latin typeface="+mn-lt"/>
+                <a:ea typeface="+mn-ea"/>
+                <a:cs typeface="+mn-cs"/>
+              </a:rPr>
+              <a:t>, </a:t>
+            </a:r>
+            <a:r>
+              <a:rPr lang="en-US" sz="1200" b="0" i="0" kern="1200" dirty="0" err="1" smtClean="0">
+                <a:solidFill>
+                  <a:schemeClr val="tx1"/>
+                </a:solidFill>
+                <a:effectLst/>
+                <a:latin typeface="+mn-lt"/>
+                <a:ea typeface="+mn-ea"/>
+                <a:cs typeface="+mn-cs"/>
+              </a:rPr>
+              <a:t>Lata</a:t>
+            </a:r>
+            <a:r>
+              <a:rPr lang="en-US" sz="1200" b="0" i="0" kern="1200" dirty="0" smtClean="0">
+                <a:solidFill>
+                  <a:schemeClr val="tx1"/>
+                </a:solidFill>
+                <a:effectLst/>
+                <a:latin typeface="+mn-lt"/>
+                <a:ea typeface="+mn-ea"/>
+                <a:cs typeface="+mn-cs"/>
+              </a:rPr>
+              <a:t> </a:t>
+            </a:r>
+            <a:r>
+              <a:rPr lang="en-US" sz="1200" b="0" i="0" kern="1200" dirty="0" err="1" smtClean="0">
+                <a:solidFill>
+                  <a:schemeClr val="tx1"/>
+                </a:solidFill>
+                <a:effectLst/>
+                <a:latin typeface="+mn-lt"/>
+                <a:ea typeface="+mn-ea"/>
+                <a:cs typeface="+mn-cs"/>
+              </a:rPr>
+              <a:t>Yadav</a:t>
+            </a:r>
+            <a:endParaRPr lang="en-US" sz="1200" b="0" i="0" kern="1200" dirty="0" smtClean="0">
+              <a:solidFill>
+                <a:schemeClr val="tx1"/>
+              </a:solidFill>
+              <a:effectLst/>
+              <a:latin typeface="+mn-lt"/>
+              <a:ea typeface="+mn-ea"/>
+              <a:cs typeface="+mn-cs"/>
+            </a:endParaRPr>
           </a:p>
           <a:p>
             <a:endParaRPr lang="en-US" dirty="0"/>
@@ -11711,7 +11982,7 @@
           <a:p>
             <a:fld id="{546F5B1E-DB30-4146-948A-605F078A8F1E}" type="slidenum">
               <a:rPr lang="en-US" smtClean="0"/>
-              <a:t>3</a:t>
+              <a:t>1</a:t>
             </a:fld>
             <a:endParaRPr lang="en-US"/>
           </a:p>
@@ -11720,7 +11991,7 @@
     </p:spTree>
     <p:extLst>
       <p:ext uri="{BB962C8B-B14F-4D97-AF65-F5344CB8AC3E}">
-        <p14:creationId xmlns:p14="http://schemas.microsoft.com/office/powerpoint/2010/main" val="32273624"/>
+        <p14:creationId xmlns:p14="http://schemas.microsoft.com/office/powerpoint/2010/main" val="4265448129"/>
       </p:ext>
     </p:extLst>
   </p:cSld>
@@ -11775,34 +12046,24 @@
           <a:lstStyle/>
           <a:p>
             <a:r>
-              <a:rPr lang="en-US" sz="1200" b="0" i="0" kern="1200" dirty="0" smtClean="0">
+              <a:rPr lang="en-US" sz="1200" b="0" i="0" u="none" strike="noStrike" kern="1200" baseline="0" dirty="0" smtClean="0">
                 <a:solidFill>
                   <a:schemeClr val="tx1"/>
                 </a:solidFill>
-                <a:effectLst/>
                 <a:latin typeface="+mn-lt"/>
                 <a:ea typeface="+mn-ea"/>
                 <a:cs typeface="+mn-cs"/>
               </a:rPr>
-              <a:t>Now the network is ready to be trained. The samples are automatically divided into training, validation and test sets. The training set is used to teach the network. Training continues as long as the network continues improving on the validation set. The test set provides a completely independent measure of network accuracy.</a:t>
-            </a:r>
-          </a:p>
-          <a:p>
-            <a:endParaRPr lang="en-US" sz="1200" b="0" i="0" kern="1200" dirty="0" smtClean="0">
-              <a:solidFill>
-                <a:schemeClr val="tx1"/>
-              </a:solidFill>
-              <a:effectLst/>
-              <a:latin typeface="+mn-lt"/>
-              <a:ea typeface="+mn-ea"/>
-              <a:cs typeface="+mn-cs"/>
-            </a:endParaRPr>
-          </a:p>
-          <a:p>
-            <a:r>
-              <a:rPr lang="en-US" dirty="0" smtClean="0"/>
-              <a:t>http://www.mathworks.com/help/nnet/examples/wine-classification.html</a:t>
-            </a:r>
+              <a:t>Difference in font and sizes makes recognition task difficult. </a:t>
+            </a:r>
+          </a:p>
+          <a:p>
+            <a:r>
+              <a:rPr lang="en-US" sz="1200" dirty="0" smtClean="0"/>
+              <a:t>Reusing scanned information to read and search content - challenging computation process (Speed of computing &amp; Efficiency matter)</a:t>
+            </a:r>
+          </a:p>
+          <a:p>
             <a:endParaRPr lang="en-US" dirty="0"/>
           </a:p>
         </p:txBody>
@@ -11824,6 +12085,119 @@
           <a:p>
             <a:fld id="{546F5B1E-DB30-4146-948A-605F078A8F1E}" type="slidenum">
               <a:rPr lang="en-US" smtClean="0"/>
+              <a:t>3</a:t>
+            </a:fld>
+            <a:endParaRPr lang="en-US"/>
+          </a:p>
+        </p:txBody>
+      </p:sp>
+    </p:spTree>
+    <p:extLst>
+      <p:ext uri="{BB962C8B-B14F-4D97-AF65-F5344CB8AC3E}">
+        <p14:creationId xmlns:p14="http://schemas.microsoft.com/office/powerpoint/2010/main" val="32273624"/>
+      </p:ext>
+    </p:extLst>
+  </p:cSld>
+  <p:clrMapOvr>
+    <a:masterClrMapping/>
+  </p:clrMapOvr>
+</p:notes>
+</file>
+
+<file path=ppt/notesSlides/notesSlide3.xml><?xml version="1.0" encoding="utf-8"?>
+<p:notes xmlns:a="http://schemas.openxmlformats.org/drawingml/2006/main" xmlns:r="http://schemas.openxmlformats.org/officeDocument/2006/relationships" xmlns:p="http://schemas.openxmlformats.org/presentationml/2006/main">
+  <p:cSld>
+    <p:spTree>
+      <p:nvGrpSpPr>
+        <p:cNvPr id="1" name=""/>
+        <p:cNvGrpSpPr/>
+        <p:nvPr/>
+      </p:nvGrpSpPr>
+      <p:grpSpPr>
+        <a:xfrm>
+          <a:off x="0" y="0"/>
+          <a:ext cx="0" cy="0"/>
+          <a:chOff x="0" y="0"/>
+          <a:chExt cx="0" cy="0"/>
+        </a:xfrm>
+      </p:grpSpPr>
+      <p:sp>
+        <p:nvSpPr>
+          <p:cNvPr id="2" name="Slide Image Placeholder 1"/>
+          <p:cNvSpPr>
+            <a:spLocks noGrp="1" noRot="1" noChangeAspect="1"/>
+          </p:cNvSpPr>
+          <p:nvPr>
+            <p:ph type="sldImg"/>
+          </p:nvPr>
+        </p:nvSpPr>
+        <p:spPr/>
+      </p:sp>
+      <p:sp>
+        <p:nvSpPr>
+          <p:cNvPr id="3" name="Notes Placeholder 2"/>
+          <p:cNvSpPr>
+            <a:spLocks noGrp="1"/>
+          </p:cNvSpPr>
+          <p:nvPr>
+            <p:ph type="body" idx="1"/>
+          </p:nvPr>
+        </p:nvSpPr>
+        <p:spPr/>
+        <p:txBody>
+          <a:bodyPr/>
+          <a:lstStyle/>
+          <a:p>
+            <a:r>
+              <a:rPr lang="en-US" sz="1200" b="0" i="0" kern="1200" dirty="0" smtClean="0">
+                <a:solidFill>
+                  <a:schemeClr val="tx1"/>
+                </a:solidFill>
+                <a:effectLst/>
+                <a:latin typeface="+mn-lt"/>
+                <a:ea typeface="+mn-ea"/>
+                <a:cs typeface="+mn-cs"/>
+              </a:rPr>
+              <a:t>Now the network is ready to be trained. The samples are automatically divided into training, validation and test sets. The training set is used to teach the network. Training continues as long as the network continues improving on the validation set. The test set provides a completely independent measure of network accuracy.</a:t>
+            </a:r>
+          </a:p>
+          <a:p>
+            <a:endParaRPr lang="en-US" sz="1200" b="0" i="0" kern="1200" dirty="0" smtClean="0">
+              <a:solidFill>
+                <a:schemeClr val="tx1"/>
+              </a:solidFill>
+              <a:effectLst/>
+              <a:latin typeface="+mn-lt"/>
+              <a:ea typeface="+mn-ea"/>
+              <a:cs typeface="+mn-cs"/>
+            </a:endParaRPr>
+          </a:p>
+          <a:p>
+            <a:r>
+              <a:rPr lang="en-US" dirty="0" smtClean="0"/>
+              <a:t>http://www.mathworks.com/help/nnet/examples/wine-classification.html</a:t>
+            </a:r>
+            <a:endParaRPr lang="en-US" dirty="0"/>
+          </a:p>
+        </p:txBody>
+      </p:sp>
+      <p:sp>
+        <p:nvSpPr>
+          <p:cNvPr id="4" name="Slide Number Placeholder 3"/>
+          <p:cNvSpPr>
+            <a:spLocks noGrp="1"/>
+          </p:cNvSpPr>
+          <p:nvPr>
+            <p:ph type="sldNum" sz="quarter" idx="10"/>
+          </p:nvPr>
+        </p:nvSpPr>
+        <p:spPr/>
+        <p:txBody>
+          <a:bodyPr/>
+          <a:lstStyle/>
+          <a:p>
+            <a:fld id="{546F5B1E-DB30-4146-948A-605F078A8F1E}" type="slidenum">
+              <a:rPr lang="en-US" smtClean="0"/>
               <a:t>10</a:t>
             </a:fld>
             <a:endParaRPr lang="en-US"/>
@@ -11843,7 +12217,7 @@
 </p:notes>
 </file>
 
-<file path=ppt/notesSlides/notesSlide3.xml><?xml version="1.0" encoding="utf-8"?>
+<file path=ppt/notesSlides/notesSlide4.xml><?xml version="1.0" encoding="utf-8"?>
 <p:notes xmlns:a="http://schemas.openxmlformats.org/drawingml/2006/main" xmlns:r="http://schemas.openxmlformats.org/officeDocument/2006/relationships" xmlns:p="http://schemas.openxmlformats.org/presentationml/2006/main">
   <p:cSld>
     <p:spTree>
@@ -14515,7 +14889,6 @@
               <a:rPr lang="en-US" smtClean="0"/>
               <a:t>Click to edit Master title style</a:t>
             </a:r>
-            <a:endParaRPr lang="en-US" smtClean="0"/>
           </a:p>
         </p:txBody>
       </p:sp>
@@ -14612,7 +14985,6 @@
               <a:rPr lang="en-US" smtClean="0"/>
               <a:t>Fifth level</a:t>
             </a:r>
-            <a:endParaRPr lang="en-US" smtClean="0"/>
           </a:p>
         </p:txBody>
       </p:sp>
@@ -15283,7 +15655,7 @@
         </p:nvSpPr>
         <p:spPr>
           <a:xfrm>
-            <a:off x="685800" y="1143001"/>
+            <a:off x="685800" y="1447800"/>
             <a:ext cx="7772400" cy="1904999"/>
           </a:xfrm>
         </p:spPr>
@@ -15328,12 +15700,89 @@
             <p:ph type="subTitle" idx="1"/>
           </p:nvPr>
         </p:nvSpPr>
-        <p:spPr/>
+        <p:spPr>
+          <a:xfrm>
+            <a:off x="5181600" y="4250267"/>
+            <a:ext cx="3962400" cy="2590800"/>
+          </a:xfrm>
+        </p:spPr>
         <p:txBody>
           <a:bodyPr/>
           <a:lstStyle/>
           <a:p>
-            <a:endParaRPr lang="en-US" dirty="0" smtClean="0"/>
+            <a:pPr algn="l"/>
+            <a:r>
+              <a:rPr lang="en-US" sz="2400" dirty="0" smtClean="0"/>
+              <a:t>Presented By:</a:t>
+            </a:r>
+          </a:p>
+          <a:p>
+            <a:pPr algn="l"/>
+            <a:r>
+              <a:rPr lang="en-US" sz="2400" kern="1200" dirty="0" err="1"/>
+              <a:t>Akash</a:t>
+            </a:r>
+            <a:r>
+              <a:rPr lang="en-US" sz="2400" kern="1200" dirty="0"/>
+              <a:t> </a:t>
+            </a:r>
+            <a:r>
+              <a:rPr lang="en-US" sz="2400" kern="1200" dirty="0" err="1" smtClean="0"/>
+              <a:t>Mohapatra</a:t>
+            </a:r>
+            <a:endParaRPr lang="en-US" sz="2400" kern="1200" dirty="0" smtClean="0"/>
+          </a:p>
+          <a:p>
+            <a:pPr algn="l"/>
+            <a:r>
+              <a:rPr lang="en-US" sz="2400" kern="1200" dirty="0" err="1" smtClean="0"/>
+              <a:t>Sourav</a:t>
+            </a:r>
+            <a:r>
+              <a:rPr lang="en-US" sz="2400" kern="1200" dirty="0" smtClean="0"/>
+              <a:t> </a:t>
+            </a:r>
+            <a:r>
+              <a:rPr lang="en-US" sz="2400" kern="1200" dirty="0" err="1" smtClean="0"/>
+              <a:t>Chakraborty</a:t>
+            </a:r>
+            <a:endParaRPr lang="en-US" sz="2400" kern="1200" dirty="0" smtClean="0"/>
+          </a:p>
+          <a:p>
+            <a:pPr algn="l"/>
+            <a:r>
+              <a:rPr lang="en-US" sz="2400" kern="1200" dirty="0" smtClean="0"/>
+              <a:t>Raja </a:t>
+            </a:r>
+            <a:r>
+              <a:rPr lang="en-US" sz="2400" kern="1200" dirty="0" err="1" smtClean="0"/>
+              <a:t>Mummidi</a:t>
+            </a:r>
+            <a:endParaRPr lang="en-US" sz="2400" kern="1200" dirty="0" smtClean="0"/>
+          </a:p>
+          <a:p>
+            <a:pPr algn="l"/>
+            <a:r>
+              <a:rPr lang="en-US" sz="2400" kern="1200" dirty="0" err="1" smtClean="0"/>
+              <a:t>Lata</a:t>
+            </a:r>
+            <a:r>
+              <a:rPr lang="en-US" sz="2400" kern="1200" dirty="0" smtClean="0"/>
+              <a:t> </a:t>
+            </a:r>
+            <a:r>
+              <a:rPr lang="en-US" sz="2400" kern="1200" dirty="0" err="1"/>
+              <a:t>Yadav</a:t>
+            </a:r>
+            <a:endParaRPr lang="en-US" sz="2400" kern="1200" dirty="0"/>
+          </a:p>
+          <a:p>
+            <a:pPr algn="l"/>
+            <a:endParaRPr lang="en-US" sz="2400" dirty="0" smtClean="0"/>
+          </a:p>
+          <a:p>
+            <a:pPr algn="l"/>
+            <a:endParaRPr lang="en-US" sz="2400" dirty="0" smtClean="0"/>
           </a:p>
         </p:txBody>
       </p:sp>
@@ -15614,13 +16063,18 @@
           <a:p>
             <a:pPr algn="ctr"/>
             <a:r>
-              <a:rPr lang="en-US" sz="1200" b="1" dirty="0">
+              <a:rPr lang="en-US" sz="1200" b="1" dirty="0" smtClean="0">
                 <a:solidFill>
                   <a:schemeClr val="tx1"/>
                 </a:solidFill>
               </a:rPr>
-              <a:t>1</a:t>
-            </a:r>
+              <a:t>12</a:t>
+            </a:r>
+            <a:endParaRPr lang="en-US" sz="1200" b="1" dirty="0">
+              <a:solidFill>
+                <a:schemeClr val="tx1"/>
+              </a:solidFill>
+            </a:endParaRPr>
           </a:p>
         </p:txBody>
       </p:sp>
@@ -15713,13 +16167,18 @@
           <a:p>
             <a:pPr algn="ctr"/>
             <a:r>
-              <a:rPr lang="en-US" sz="1200" b="1" dirty="0">
+              <a:rPr lang="en-US" sz="1200" b="1" dirty="0" smtClean="0">
                 <a:solidFill>
                   <a:schemeClr val="tx1"/>
                 </a:solidFill>
               </a:rPr>
-              <a:t>1</a:t>
-            </a:r>
+              <a:t>12</a:t>
+            </a:r>
+            <a:endParaRPr lang="en-US" sz="1200" b="1" dirty="0">
+              <a:solidFill>
+                <a:schemeClr val="tx1"/>
+              </a:solidFill>
+            </a:endParaRPr>
           </a:p>
         </p:txBody>
       </p:sp>
@@ -15765,7 +16224,7 @@
                   <a:schemeClr val="tx1"/>
                 </a:solidFill>
               </a:rPr>
-              <a:t>26</a:t>
+              <a:t>1</a:t>
             </a:r>
             <a:endParaRPr lang="en-US" sz="1200" b="1" dirty="0">
               <a:solidFill>
@@ -15812,18 +16271,13 @@
           <a:p>
             <a:pPr algn="ctr"/>
             <a:r>
-              <a:rPr lang="en-US" sz="1200" b="1" dirty="0" smtClean="0">
+              <a:rPr lang="en-US" sz="1200" b="1" dirty="0">
                 <a:solidFill>
                   <a:schemeClr val="tx1"/>
                 </a:solidFill>
               </a:rPr>
-              <a:t>26</a:t>
-            </a:r>
-            <a:endParaRPr lang="en-US" sz="1200" b="1" dirty="0">
-              <a:solidFill>
-                <a:schemeClr val="tx1"/>
-              </a:solidFill>
-            </a:endParaRPr>
+              <a:t>1</a:t>
+            </a:r>
           </a:p>
         </p:txBody>
       </p:sp>
@@ -16309,11 +16763,6 @@
               </a:rPr>
               <a:t>(Google Books)</a:t>
             </a:r>
-            <a:endParaRPr lang="en-US" sz="2000" i="1" dirty="0" smtClean="0">
-              <a:solidFill>
-                <a:schemeClr val="tx1"/>
-              </a:solidFill>
-            </a:endParaRPr>
           </a:p>
           <a:p>
             <a:endParaRPr lang="en-US" sz="2000" dirty="0" smtClean="0">
@@ -16413,135 +16862,22 @@
           <a:lstStyle/>
           <a:p>
             <a:r>
-              <a:rPr lang="en-US" sz="2000" b="1" dirty="0">
-                <a:solidFill>
-                  <a:schemeClr val="tx1"/>
-                </a:solidFill>
-              </a:rPr>
-              <a:t>Data </a:t>
-            </a:r>
-            <a:r>
-              <a:rPr lang="en-US" sz="2000" b="1" dirty="0" smtClean="0">
-                <a:solidFill>
-                  <a:schemeClr val="tx1"/>
-                </a:solidFill>
-              </a:rPr>
-              <a:t>Security</a:t>
-            </a:r>
-          </a:p>
-          <a:p>
-            <a:pPr marL="0" indent="0">
-              <a:buNone/>
-            </a:pPr>
-            <a:r>
-              <a:rPr lang="en-US" sz="2000" dirty="0">
-                <a:solidFill>
-                  <a:schemeClr val="tx1"/>
-                </a:solidFill>
-              </a:rPr>
-              <a:t>Text strings sent over the Internet are far easier to sniff and unlock than a compressed JPEG image</a:t>
-            </a:r>
-            <a:endParaRPr lang="en-US" sz="2000" b="1" dirty="0" smtClean="0">
-              <a:solidFill>
-                <a:schemeClr val="tx1"/>
-              </a:solidFill>
-            </a:endParaRPr>
-          </a:p>
-          <a:p>
-            <a:r>
-              <a:rPr lang="en-US" sz="2000" b="1" dirty="0">
-                <a:solidFill>
-                  <a:schemeClr val="tx1"/>
-                </a:solidFill>
-              </a:rPr>
-              <a:t>File </a:t>
-            </a:r>
-            <a:r>
-              <a:rPr lang="en-US" sz="2000" b="1" dirty="0" smtClean="0">
-                <a:solidFill>
-                  <a:schemeClr val="tx1"/>
-                </a:solidFill>
-              </a:rPr>
-              <a:t>Compression</a:t>
-            </a:r>
-          </a:p>
-          <a:p>
-            <a:pPr marL="0" indent="0">
-              <a:buNone/>
-            </a:pPr>
-            <a:r>
               <a:rPr lang="en-US" sz="2000" dirty="0" smtClean="0"/>
-              <a:t>E</a:t>
-            </a:r>
+              <a:t>Recognition of data from image – Segmentation and Feature extraction</a:t>
+            </a:r>
+          </a:p>
+          <a:p>
             <a:r>
               <a:rPr lang="en-US" sz="2000" dirty="0" smtClean="0">
                 <a:solidFill>
                   <a:schemeClr val="tx1"/>
                 </a:solidFill>
               </a:rPr>
-              <a:t>xtract </a:t>
-            </a:r>
-            <a:r>
-              <a:rPr lang="en-US" sz="2000" dirty="0">
-                <a:solidFill>
-                  <a:schemeClr val="tx1"/>
-                </a:solidFill>
-              </a:rPr>
-              <a:t>the text from an image and saved as an ASCII </a:t>
-            </a:r>
-            <a:r>
-              <a:rPr lang="en-US" sz="2000" dirty="0" smtClean="0">
-                <a:solidFill>
-                  <a:schemeClr val="tx1"/>
-                </a:solidFill>
-              </a:rPr>
-              <a:t>file – Saving memory</a:t>
-            </a:r>
-            <a:endParaRPr lang="en-US" sz="2000" b="1" dirty="0" smtClean="0">
-              <a:solidFill>
-                <a:schemeClr val="tx1"/>
-              </a:solidFill>
-            </a:endParaRPr>
-          </a:p>
-          <a:p>
-            <a:r>
-              <a:rPr lang="en-US" sz="2000" b="1" dirty="0" smtClean="0">
-                <a:solidFill>
-                  <a:schemeClr val="tx1"/>
-                </a:solidFill>
-              </a:rPr>
-              <a:t>Robots</a:t>
-            </a:r>
-          </a:p>
-          <a:p>
-            <a:pPr marL="0" indent="0">
-              <a:buNone/>
-            </a:pPr>
-            <a:r>
-              <a:rPr lang="en-US" sz="2000" dirty="0">
-                <a:solidFill>
-                  <a:schemeClr val="tx1"/>
-                </a:solidFill>
-              </a:rPr>
-              <a:t>How </a:t>
-            </a:r>
-            <a:r>
-              <a:rPr lang="en-US" sz="2000" dirty="0" smtClean="0">
-                <a:solidFill>
-                  <a:schemeClr val="tx1"/>
-                </a:solidFill>
-              </a:rPr>
-              <a:t>else </a:t>
-            </a:r>
-            <a:r>
-              <a:rPr lang="en-US" sz="2000" dirty="0">
-                <a:solidFill>
-                  <a:schemeClr val="tx1"/>
-                </a:solidFill>
-              </a:rPr>
-              <a:t>you expect future robots to read text? </a:t>
-            </a:r>
-            <a:endParaRPr lang="en-US" sz="2000" b="1" dirty="0" smtClean="0">
+              <a:t>Removal of restriction over input – Target more fonts and other languages too</a:t>
+            </a:r>
+          </a:p>
+          <a:p>
+            <a:endParaRPr lang="en-US" sz="2000" dirty="0" smtClean="0">
               <a:solidFill>
                 <a:schemeClr val="tx1"/>
               </a:solidFill>
@@ -16643,11 +16979,7 @@
             </a:pPr>
             <a:r>
               <a:rPr lang="en-US" sz="2000" dirty="0" smtClean="0"/>
-              <a:t>Introduction to </a:t>
-            </a:r>
-            <a:r>
-              <a:rPr lang="en-US" sz="2000" dirty="0" smtClean="0"/>
-              <a:t>Character Recognition</a:t>
+              <a:t>Introduction to Character Recognition</a:t>
             </a:r>
           </a:p>
           <a:p>
@@ -16687,7 +17019,6 @@
               <a:rPr lang="en-US" sz="2000" dirty="0" smtClean="0"/>
               <a:t>Data Set Used for Character Recognition</a:t>
             </a:r>
-            <a:endParaRPr lang="en-US" sz="2000" dirty="0" smtClean="0"/>
           </a:p>
           <a:p>
             <a:pPr>
@@ -16777,7 +17108,6 @@
               <a:rPr lang="en-US" sz="2000" dirty="0" smtClean="0"/>
               <a:t>Future Scope</a:t>
             </a:r>
-            <a:endParaRPr lang="en-US" sz="2000" dirty="0" smtClean="0"/>
           </a:p>
           <a:p>
             <a:pPr>
@@ -17432,7 +17762,7 @@
           <p:nvPr>
             <p:extLst>
               <p:ext uri="{D42A27DB-BD31-4B8C-83A1-F6EECF244321}">
-                <p14:modId xmlns:p14="http://schemas.microsoft.com/office/powerpoint/2010/main" val="1074957612"/>
+                <p14:modId xmlns:p14="http://schemas.microsoft.com/office/powerpoint/2010/main" val="1742935841"/>
               </p:ext>
             </p:extLst>
           </p:nvPr>
@@ -18071,9 +18401,6 @@
                 <a:solidFill>
                   <a:schemeClr val="tx1"/>
                 </a:solidFill>
-                <a:latin typeface="+mn-lt"/>
-                <a:ea typeface="+mn-ea"/>
-                <a:cs typeface="+mn-cs"/>
               </a:rPr>
               <a:t>Initialize all network weights to small random </a:t>
             </a:r>
@@ -18082,9 +18409,6 @@
                 <a:solidFill>
                   <a:schemeClr val="tx1"/>
                 </a:solidFill>
-                <a:latin typeface="+mn-lt"/>
-                <a:ea typeface="+mn-ea"/>
-                <a:cs typeface="+mn-cs"/>
               </a:rPr>
               <a:t>numbers</a:t>
             </a:r>
@@ -18099,9 +18423,6 @@
                 <a:solidFill>
                   <a:schemeClr val="tx1"/>
                 </a:solidFill>
-                <a:latin typeface="+mn-lt"/>
-                <a:ea typeface="+mn-ea"/>
-                <a:cs typeface="+mn-cs"/>
               </a:rPr>
               <a:t>termination </a:t>
             </a:r>
@@ -18110,9 +18431,6 @@
                 <a:solidFill>
                   <a:schemeClr val="tx1"/>
                 </a:solidFill>
-                <a:latin typeface="+mn-lt"/>
-                <a:ea typeface="+mn-ea"/>
-                <a:cs typeface="+mn-cs"/>
               </a:rPr>
               <a:t>condition</a:t>
             </a:r>

--- a/CHARACTER RECOGNITION USING NEURAL NETWORKS.pptx
+++ b/CHARACTER RECOGNITION USING NEURAL NETWORKS.pptx
@@ -12261,6 +12261,90 @@
           <a:bodyPr/>
           <a:lstStyle/>
           <a:p>
+            <a:endParaRPr lang="en-US" dirty="0"/>
+          </a:p>
+        </p:txBody>
+      </p:sp>
+      <p:sp>
+        <p:nvSpPr>
+          <p:cNvPr id="4" name="Slide Number Placeholder 3"/>
+          <p:cNvSpPr>
+            <a:spLocks noGrp="1"/>
+          </p:cNvSpPr>
+          <p:nvPr>
+            <p:ph type="sldNum" sz="quarter" idx="10"/>
+          </p:nvPr>
+        </p:nvSpPr>
+        <p:spPr/>
+        <p:txBody>
+          <a:bodyPr/>
+          <a:lstStyle/>
+          <a:p>
+            <a:fld id="{546F5B1E-DB30-4146-948A-605F078A8F1E}" type="slidenum">
+              <a:rPr lang="en-US" smtClean="0"/>
+              <a:t>11</a:t>
+            </a:fld>
+            <a:endParaRPr lang="en-US"/>
+          </a:p>
+        </p:txBody>
+      </p:sp>
+    </p:spTree>
+    <p:extLst>
+      <p:ext uri="{BB962C8B-B14F-4D97-AF65-F5344CB8AC3E}">
+        <p14:creationId xmlns:p14="http://schemas.microsoft.com/office/powerpoint/2010/main" val="2896078188"/>
+      </p:ext>
+    </p:extLst>
+  </p:cSld>
+  <p:clrMapOvr>
+    <a:masterClrMapping/>
+  </p:clrMapOvr>
+</p:notes>
+</file>
+
+<file path=ppt/notesSlides/notesSlide5.xml><?xml version="1.0" encoding="utf-8"?>
+<p:notes xmlns:a="http://schemas.openxmlformats.org/drawingml/2006/main" xmlns:r="http://schemas.openxmlformats.org/officeDocument/2006/relationships" xmlns:p="http://schemas.openxmlformats.org/presentationml/2006/main">
+  <p:cSld>
+    <p:spTree>
+      <p:nvGrpSpPr>
+        <p:cNvPr id="1" name=""/>
+        <p:cNvGrpSpPr/>
+        <p:nvPr/>
+      </p:nvGrpSpPr>
+      <p:grpSpPr>
+        <a:xfrm>
+          <a:off x="0" y="0"/>
+          <a:ext cx="0" cy="0"/>
+          <a:chOff x="0" y="0"/>
+          <a:chExt cx="0" cy="0"/>
+        </a:xfrm>
+      </p:grpSpPr>
+      <p:sp>
+        <p:nvSpPr>
+          <p:cNvPr id="2" name="Slide Image Placeholder 1"/>
+          <p:cNvSpPr>
+            <a:spLocks noGrp="1" noRot="1" noChangeAspect="1"/>
+          </p:cNvSpPr>
+          <p:nvPr>
+            <p:ph type="sldImg"/>
+          </p:nvPr>
+        </p:nvSpPr>
+        <p:spPr/>
+      </p:sp>
+      <p:sp>
+        <p:nvSpPr>
+          <p:cNvPr id="3" name="Notes Placeholder 2"/>
+          <p:cNvSpPr>
+            <a:spLocks noGrp="1"/>
+          </p:cNvSpPr>
+          <p:nvPr>
+            <p:ph type="body" idx="1"/>
+          </p:nvPr>
+        </p:nvSpPr>
+        <p:spPr/>
+        <p:txBody>
+          <a:bodyPr/>
+          <a:lstStyle/>
+          <a:p>
             <a:r>
               <a:rPr lang="en-US" dirty="0" smtClean="0"/>
               <a:t>https://www.cvisiontech.com/docdoc/?p=232</a:t>
@@ -16190,7 +16274,7 @@
         </p:nvSpPr>
         <p:spPr>
           <a:xfrm>
-            <a:off x="6096000" y="6259285"/>
+            <a:off x="6096000" y="6232675"/>
             <a:ext cx="457200" cy="228600"/>
           </a:xfrm>
           <a:prstGeom prst="rect">
@@ -16328,38 +16412,73 @@
             <p:ph type="title"/>
           </p:nvPr>
         </p:nvSpPr>
-        <p:spPr/>
+        <p:spPr>
+          <a:xfrm>
+            <a:off x="685800" y="914400"/>
+            <a:ext cx="7848600" cy="609600"/>
+          </a:xfrm>
+        </p:spPr>
         <p:txBody>
           <a:bodyPr/>
           <a:lstStyle/>
           <a:p>
             <a:r>
-              <a:rPr lang="en-US" dirty="0" smtClean="0"/>
-              <a:t>Results - I</a:t>
-            </a:r>
-            <a:endParaRPr lang="en-US" dirty="0"/>
+              <a:rPr lang="en-US" sz="3200" dirty="0" smtClean="0"/>
+              <a:t>Results </a:t>
+            </a:r>
+            <a:r>
+              <a:rPr lang="en-US" sz="3200" smtClean="0"/>
+              <a:t>– -----------------</a:t>
+            </a:r>
+            <a:r>
+              <a:rPr lang="en-US" sz="3200" dirty="0" smtClean="0"/>
+              <a:t>Correct This one</a:t>
+            </a:r>
+            <a:endParaRPr lang="en-US" sz="3200" dirty="0"/>
           </a:p>
         </p:txBody>
       </p:sp>
-      <p:sp>
-        <p:nvSpPr>
-          <p:cNvPr id="3" name="Content Placeholder 2"/>
-          <p:cNvSpPr>
-            <a:spLocks noGrp="1"/>
-          </p:cNvSpPr>
+      <p:pic>
+        <p:nvPicPr>
+          <p:cNvPr id="1026" name="Picture 2" descr="C:\Users\aakashdeep\Desktop\Dec2015\ML\CharacterRecognition_ANN\Output_ML\1.jpg"/>
+          <p:cNvPicPr>
+            <a:picLocks noGrp="1" noChangeAspect="1" noChangeArrowheads="1"/>
+          </p:cNvPicPr>
           <p:nvPr>
             <p:ph idx="1"/>
           </p:nvPr>
-        </p:nvSpPr>
-        <p:spPr/>
-        <p:txBody>
-          <a:bodyPr/>
-          <a:lstStyle/>
-          <a:p>
-            <a:endParaRPr lang="en-US" dirty="0"/>
-          </a:p>
-        </p:txBody>
-      </p:sp>
+        </p:nvPicPr>
+        <p:blipFill rotWithShape="1">
+          <a:blip r:embed="rId3">
+            <a:extLst>
+              <a:ext uri="{28A0092B-C50C-407E-A947-70E740481C1C}">
+                <a14:useLocalDpi xmlns:a14="http://schemas.microsoft.com/office/drawing/2010/main" val="0"/>
+              </a:ext>
+            </a:extLst>
+          </a:blip>
+          <a:srcRect l="37320" t="11590" r="37290" b="13232"/>
+          <a:stretch/>
+        </p:blipFill>
+        <p:spPr bwMode="auto">
+          <a:xfrm>
+            <a:off x="474785" y="1828800"/>
+            <a:ext cx="8141678" cy="4893733"/>
+          </a:xfrm>
+          <a:prstGeom prst="rect">
+            <a:avLst/>
+          </a:prstGeom>
+          <a:noFill/>
+          <a:extLst>
+            <a:ext uri="{909E8E84-426E-40DD-AFC4-6F175D3DCCD1}">
+              <a14:hiddenFill xmlns:a14="http://schemas.microsoft.com/office/drawing/2010/main">
+                <a:solidFill>
+                  <a:srgbClr val="FFFFFF"/>
+                </a:solidFill>
+              </a14:hiddenFill>
+            </a:ext>
+          </a:extLst>
+        </p:spPr>
+      </p:pic>
     </p:spTree>
     <p:extLst>
       <p:ext uri="{BB962C8B-B14F-4D97-AF65-F5344CB8AC3E}">
@@ -16407,38 +16526,65 @@
             <p:ph type="title"/>
           </p:nvPr>
         </p:nvSpPr>
-        <p:spPr/>
+        <p:spPr>
+          <a:xfrm>
+            <a:off x="685800" y="838200"/>
+            <a:ext cx="7848600" cy="609600"/>
+          </a:xfrm>
+        </p:spPr>
         <p:txBody>
           <a:bodyPr/>
           <a:lstStyle/>
           <a:p>
             <a:r>
-              <a:rPr lang="en-US" dirty="0" smtClean="0"/>
+              <a:rPr lang="en-US" sz="3200" dirty="0" smtClean="0"/>
               <a:t>Results - II</a:t>
             </a:r>
-            <a:endParaRPr lang="en-US" dirty="0"/>
+            <a:endParaRPr lang="en-US" sz="3200" dirty="0"/>
           </a:p>
         </p:txBody>
       </p:sp>
-      <p:sp>
-        <p:nvSpPr>
-          <p:cNvPr id="3" name="Content Placeholder 2"/>
-          <p:cNvSpPr>
-            <a:spLocks noGrp="1"/>
-          </p:cNvSpPr>
+      <p:pic>
+        <p:nvPicPr>
+          <p:cNvPr id="2050" name="Picture 2" descr="C:\Users\aakashdeep\Desktop\Dec2015\ML\CharacterRecognition_ANN\Output_ML\2.jpg"/>
+          <p:cNvPicPr>
+            <a:picLocks noGrp="1" noChangeAspect="1" noChangeArrowheads="1"/>
+          </p:cNvPicPr>
           <p:nvPr>
             <p:ph idx="1"/>
           </p:nvPr>
-        </p:nvSpPr>
-        <p:spPr/>
-        <p:txBody>
-          <a:bodyPr/>
-          <a:lstStyle/>
-          <a:p>
-            <a:endParaRPr lang="en-US"/>
-          </a:p>
-        </p:txBody>
-      </p:sp>
+        </p:nvPicPr>
+        <p:blipFill rotWithShape="1">
+          <a:blip r:embed="rId2">
+            <a:extLst>
+              <a:ext uri="{28A0092B-C50C-407E-A947-70E740481C1C}">
+                <a14:useLocalDpi xmlns:a14="http://schemas.microsoft.com/office/drawing/2010/main" val="0"/>
+              </a:ext>
+            </a:extLst>
+          </a:blip>
+          <a:srcRect l="27135" t="4099" r="27805" b="10729"/>
+          <a:stretch/>
+        </p:blipFill>
+        <p:spPr bwMode="auto">
+          <a:xfrm>
+            <a:off x="381000" y="152400"/>
+            <a:ext cx="8458200" cy="6705600"/>
+          </a:xfrm>
+          <a:prstGeom prst="rect">
+            <a:avLst/>
+          </a:prstGeom>
+          <a:noFill/>
+          <a:extLst>
+            <a:ext uri="{909E8E84-426E-40DD-AFC4-6F175D3DCCD1}">
+              <a14:hiddenFill xmlns:a14="http://schemas.microsoft.com/office/drawing/2010/main">
+                <a:solidFill>
+                  <a:srgbClr val="FFFFFF"/>
+                </a:solidFill>
+              </a14:hiddenFill>
+            </a:ext>
+          </a:extLst>
+        </p:spPr>
+      </p:pic>
     </p:spTree>
     <p:extLst>
       <p:ext uri="{BB962C8B-B14F-4D97-AF65-F5344CB8AC3E}">
@@ -16488,7 +16634,7 @@
         </p:nvSpPr>
         <p:spPr>
           <a:xfrm>
-            <a:off x="685800" y="838200"/>
+            <a:off x="685800" y="609600"/>
             <a:ext cx="7848600" cy="838200"/>
           </a:xfrm>
         </p:spPr>
@@ -16504,25 +16650,47 @@
           </a:p>
         </p:txBody>
       </p:sp>
-      <p:sp>
-        <p:nvSpPr>
-          <p:cNvPr id="3" name="Content Placeholder 2"/>
-          <p:cNvSpPr>
-            <a:spLocks noGrp="1"/>
-          </p:cNvSpPr>
+      <p:pic>
+        <p:nvPicPr>
+          <p:cNvPr id="3074" name="Picture 2" descr="C:\Users\aakashdeep\Desktop\Dec2015\ML\CharacterRecognition_ANN\Output_ML\3.jpg"/>
+          <p:cNvPicPr>
+            <a:picLocks noGrp="1" noChangeAspect="1" noChangeArrowheads="1"/>
+          </p:cNvPicPr>
           <p:nvPr>
             <p:ph idx="1"/>
           </p:nvPr>
-        </p:nvSpPr>
-        <p:spPr/>
-        <p:txBody>
-          <a:bodyPr/>
-          <a:lstStyle/>
-          <a:p>
-            <a:endParaRPr lang="en-US"/>
-          </a:p>
-        </p:txBody>
-      </p:sp>
+        </p:nvPicPr>
+        <p:blipFill rotWithShape="1">
+          <a:blip r:embed="rId2">
+            <a:extLst>
+              <a:ext uri="{28A0092B-C50C-407E-A947-70E740481C1C}">
+                <a14:useLocalDpi xmlns:a14="http://schemas.microsoft.com/office/drawing/2010/main" val="0"/>
+              </a:ext>
+            </a:extLst>
+          </a:blip>
+          <a:srcRect l="31694" t="5825" r="33438" b="39339"/>
+          <a:stretch/>
+        </p:blipFill>
+        <p:spPr bwMode="auto">
+          <a:xfrm>
+            <a:off x="685800" y="1295400"/>
+            <a:ext cx="8001000" cy="5562600"/>
+          </a:xfrm>
+          <a:prstGeom prst="rect">
+            <a:avLst/>
+          </a:prstGeom>
+          <a:noFill/>
+          <a:extLst>
+            <a:ext uri="{909E8E84-426E-40DD-AFC4-6F175D3DCCD1}">
+              <a14:hiddenFill xmlns:a14="http://schemas.microsoft.com/office/drawing/2010/main">
+                <a:solidFill>
+                  <a:srgbClr val="FFFFFF"/>
+                </a:solidFill>
+              </a14:hiddenFill>
+            </a:ext>
+          </a:extLst>
+        </p:spPr>
+      </p:pic>
     </p:spTree>
     <p:extLst>
       <p:ext uri="{BB962C8B-B14F-4D97-AF65-F5344CB8AC3E}">
@@ -18590,11 +18758,15 @@
             </a:pPr>
             <a:r>
               <a:rPr lang="en-US" dirty="0"/>
-              <a:t>For each hidden unit </a:t>
-            </a:r>
-            <a:r>
-              <a:rPr lang="en-US" i="1" dirty="0"/>
-              <a:t>h, </a:t>
+              <a:t>For each hidden </a:t>
+            </a:r>
+            <a:r>
+              <a:rPr lang="en-US" dirty="0" smtClean="0"/>
+              <a:t>unit</a:t>
+            </a:r>
+            <a:r>
+              <a:rPr lang="en-US" i="1" dirty="0" smtClean="0"/>
+              <a:t>, </a:t>
             </a:r>
             <a:r>
               <a:rPr lang="en-US" dirty="0"/>

--- a/CHARACTER RECOGNITION USING NEURAL NETWORKS.pptx
+++ b/CHARACTER RECOGNITION USING NEURAL NETWORKS.pptx
@@ -5,7 +5,7 @@
     <p:sldMasterId id="2147483660" r:id="rId1"/>
   </p:sldMasterIdLst>
   <p:notesMasterIdLst>
-    <p:notesMasterId r:id="rId17"/>
+    <p:notesMasterId r:id="rId18"/>
   </p:notesMasterIdLst>
   <p:sldIdLst>
     <p:sldId id="256" r:id="rId2"/>
@@ -23,6 +23,7 @@
     <p:sldId id="274" r:id="rId14"/>
     <p:sldId id="269" r:id="rId15"/>
     <p:sldId id="262" r:id="rId16"/>
+    <p:sldId id="275" r:id="rId17"/>
   </p:sldIdLst>
   <p:sldSz cx="9144000" cy="6858000" type="screen4x3"/>
   <p:notesSz cx="6858000" cy="9144000"/>
@@ -2924,7 +2925,7 @@
       <dgm:spPr/>
     </dgm:pt>
     <dgm:pt modelId="{F2FAB72E-B584-4B4D-ABEA-1CED358ABCD0}" type="pres">
-      <dgm:prSet presAssocID="{2F788F0F-3B52-4DFE-8BBD-8D5999F55B27}" presName="bentUpArrow1" presStyleLbl="alignImgPlace1" presStyleIdx="1" presStyleCnt="2" custScaleY="78496" custLinFactNeighborX="-13309" custLinFactNeighborY="-50839"/>
+      <dgm:prSet presAssocID="{2F788F0F-3B52-4DFE-8BBD-8D5999F55B27}" presName="bentUpArrow1" presStyleLbl="alignImgPlace1" presStyleIdx="1" presStyleCnt="2" custScaleY="78496" custLinFactNeighborX="-13309" custLinFactNeighborY="-57853"/>
       <dgm:spPr/>
     </dgm:pt>
     <dgm:pt modelId="{50691B4C-40F1-4299-9A39-0BCAC593C4F0}" type="pres">
@@ -4176,7 +4177,7 @@
       </dsp:nvSpPr>
       <dsp:spPr>
         <a:xfrm rot="5400000">
-          <a:off x="2325622" y="1712977"/>
+          <a:off x="2325622" y="1636778"/>
           <a:ext cx="852769" cy="1236811"/>
         </a:xfrm>
         <a:prstGeom prst="bentUpArrow">
@@ -16326,7 +16327,7 @@
         </p:nvSpPr>
         <p:spPr>
           <a:xfrm>
-            <a:off x="7175090" y="5939620"/>
+            <a:off x="7175090" y="5903334"/>
             <a:ext cx="457200" cy="228600"/>
           </a:xfrm>
           <a:prstGeom prst="rect">
@@ -16427,12 +16428,8 @@
               <a:t>Results </a:t>
             </a:r>
             <a:r>
-              <a:rPr lang="en-US" sz="3200" smtClean="0"/>
-              <a:t>– -----------------</a:t>
-            </a:r>
-            <a:r>
               <a:rPr lang="en-US" sz="3200" dirty="0" smtClean="0"/>
-              <a:t>Correct This one</a:t>
+              <a:t>– -----------------Correct This one</a:t>
             </a:r>
             <a:endParaRPr lang="en-US" sz="3200" dirty="0"/>
           </a:p>
@@ -17076,6 +17073,115 @@
 </p:sld>
 </file>
 
+<file path=ppt/slides/slide16.xml><?xml version="1.0" encoding="utf-8"?>
+<p:sld xmlns:a="http://schemas.openxmlformats.org/drawingml/2006/main" xmlns:r="http://schemas.openxmlformats.org/officeDocument/2006/relationships" xmlns:p="http://schemas.openxmlformats.org/presentationml/2006/main">
+  <p:cSld>
+    <p:spTree>
+      <p:nvGrpSpPr>
+        <p:cNvPr id="1" name=""/>
+        <p:cNvGrpSpPr/>
+        <p:nvPr/>
+      </p:nvGrpSpPr>
+      <p:grpSpPr>
+        <a:xfrm>
+          <a:off x="0" y="0"/>
+          <a:ext cx="0" cy="0"/>
+          <a:chOff x="0" y="0"/>
+          <a:chExt cx="0" cy="0"/>
+        </a:xfrm>
+      </p:grpSpPr>
+      <p:sp>
+        <p:nvSpPr>
+          <p:cNvPr id="2" name="Title 1"/>
+          <p:cNvSpPr>
+            <a:spLocks noGrp="1"/>
+          </p:cNvSpPr>
+          <p:nvPr>
+            <p:ph type="title"/>
+          </p:nvPr>
+        </p:nvSpPr>
+        <p:spPr/>
+        <p:txBody>
+          <a:bodyPr/>
+          <a:lstStyle/>
+          <a:p>
+            <a:endParaRPr lang="en-US"/>
+          </a:p>
+        </p:txBody>
+      </p:sp>
+      <p:sp>
+        <p:nvSpPr>
+          <p:cNvPr id="3" name="Content Placeholder 2"/>
+          <p:cNvSpPr>
+            <a:spLocks noGrp="1"/>
+          </p:cNvSpPr>
+          <p:nvPr>
+            <p:ph idx="1"/>
+          </p:nvPr>
+        </p:nvSpPr>
+        <p:spPr/>
+        <p:txBody>
+          <a:bodyPr/>
+          <a:lstStyle/>
+          <a:p>
+            <a:endParaRPr lang="en-US"/>
+          </a:p>
+        </p:txBody>
+      </p:sp>
+      <p:pic>
+        <p:nvPicPr>
+          <p:cNvPr id="4098" name="Picture 2" descr="C:\Users\aakashdeep\Desktop\Dec2015\ML\slide_11.jpg"/>
+          <p:cNvPicPr>
+            <a:picLocks noChangeAspect="1" noChangeArrowheads="1"/>
+          </p:cNvPicPr>
+          <p:nvPr/>
+        </p:nvPicPr>
+        <p:blipFill>
+          <a:blip r:embed="rId2">
+            <a:extLst>
+              <a:ext uri="{28A0092B-C50C-407E-A947-70E740481C1C}">
+                <a14:useLocalDpi xmlns:a14="http://schemas.microsoft.com/office/drawing/2010/main" val="0"/>
+              </a:ext>
+            </a:extLst>
+          </a:blip>
+          <a:srcRect/>
+          <a:stretch>
+            <a:fillRect/>
+          </a:stretch>
+        </p:blipFill>
+        <p:spPr bwMode="auto">
+          <a:xfrm>
+            <a:off x="0" y="0"/>
+            <a:ext cx="9144000" cy="6858000"/>
+          </a:xfrm>
+          <a:prstGeom prst="rect">
+            <a:avLst/>
+          </a:prstGeom>
+          <a:noFill/>
+          <a:extLst>
+            <a:ext uri="{909E8E84-426E-40DD-AFC4-6F175D3DCCD1}">
+              <a14:hiddenFill xmlns:a14="http://schemas.microsoft.com/office/drawing/2010/main">
+                <a:solidFill>
+                  <a:srgbClr val="FFFFFF"/>
+                </a:solidFill>
+              </a14:hiddenFill>
+            </a:ext>
+          </a:extLst>
+        </p:spPr>
+      </p:pic>
+    </p:spTree>
+    <p:extLst>
+      <p:ext uri="{BB962C8B-B14F-4D97-AF65-F5344CB8AC3E}">
+        <p14:creationId xmlns:p14="http://schemas.microsoft.com/office/powerpoint/2010/main" val="3009410790"/>
+      </p:ext>
+    </p:extLst>
+  </p:cSld>
+  <p:clrMapOvr>
+    <a:masterClrMapping/>
+  </p:clrMapOvr>
+</p:sld>
+</file>
+
 <file path=ppt/slides/slide2.xml><?xml version="1.0" encoding="utf-8"?>
 <p:sld xmlns:a="http://schemas.openxmlformats.org/drawingml/2006/main" xmlns:r="http://schemas.openxmlformats.org/officeDocument/2006/relationships" xmlns:p="http://schemas.openxmlformats.org/presentationml/2006/main">
   <p:cSld>
@@ -17905,11 +18011,26 @@
                 <a:ea typeface="+mn-ea"/>
                 <a:cs typeface="+mn-cs"/>
               </a:rPr>
-              <a:t>patterns  via ANN and Backpropagation algorithm              (</a:t>
+              <a:t>patterns  via ANN and Backpropagation algorithm              </a:t>
+            </a:r>
+            <a:r>
+              <a:rPr lang="en-US" sz="2000" dirty="0" smtClean="0">
+                <a:solidFill>
+                  <a:schemeClr val="tx1"/>
+                </a:solidFill>
+                <a:latin typeface="+mn-lt"/>
+                <a:ea typeface="+mn-ea"/>
+                <a:cs typeface="+mn-cs"/>
+              </a:rPr>
+              <a:t>(</a:t>
             </a:r>
             <a:r>
               <a:rPr lang="en-US" sz="2000" dirty="0" smtClean="0"/>
-              <a:t> Implementation in MATLAB )</a:t>
+              <a:t>Implementation </a:t>
+            </a:r>
+            <a:r>
+              <a:rPr lang="en-US" sz="2000" dirty="0" smtClean="0"/>
+              <a:t>in MATLAB )</a:t>
             </a:r>
           </a:p>
           <a:p>
@@ -17930,7 +18051,7 @@
           <p:nvPr>
             <p:extLst>
               <p:ext uri="{D42A27DB-BD31-4B8C-83A1-F6EECF244321}">
-                <p14:modId xmlns:p14="http://schemas.microsoft.com/office/powerpoint/2010/main" val="1742935841"/>
+                <p14:modId xmlns:p14="http://schemas.microsoft.com/office/powerpoint/2010/main" val="2485937818"/>
               </p:ext>
             </p:extLst>
           </p:nvPr>

--- a/CHARACTER RECOGNITION USING NEURAL NETWORKS.pptx
+++ b/CHARACTER RECOGNITION USING NEURAL NETWORKS.pptx
@@ -18,9 +18,9 @@
     <p:sldId id="260" r:id="rId9"/>
     <p:sldId id="259" r:id="rId10"/>
     <p:sldId id="268" r:id="rId11"/>
-    <p:sldId id="261" r:id="rId12"/>
-    <p:sldId id="270" r:id="rId13"/>
-    <p:sldId id="274" r:id="rId14"/>
+    <p:sldId id="270" r:id="rId12"/>
+    <p:sldId id="274" r:id="rId13"/>
+    <p:sldId id="261" r:id="rId14"/>
     <p:sldId id="269" r:id="rId15"/>
     <p:sldId id="262" r:id="rId16"/>
     <p:sldId id="275" r:id="rId17"/>
@@ -12283,7 +12283,7 @@
           <a:p>
             <a:fld id="{546F5B1E-DB30-4146-948A-605F078A8F1E}" type="slidenum">
               <a:rPr lang="en-US" smtClean="0"/>
-              <a:t>11</a:t>
+              <a:t>13</a:t>
             </a:fld>
             <a:endParaRPr lang="en-US"/>
           </a:p>
@@ -16415,116 +16415,6 @@
         </p:nvSpPr>
         <p:spPr>
           <a:xfrm>
-            <a:off x="685800" y="914400"/>
-            <a:ext cx="7848600" cy="609600"/>
-          </a:xfrm>
-        </p:spPr>
-        <p:txBody>
-          <a:bodyPr/>
-          <a:lstStyle/>
-          <a:p>
-            <a:r>
-              <a:rPr lang="en-US" sz="3200" dirty="0" smtClean="0"/>
-              <a:t>Results </a:t>
-            </a:r>
-            <a:r>
-              <a:rPr lang="en-US" sz="3200" dirty="0" smtClean="0"/>
-              <a:t>– -----------------Correct This one</a:t>
-            </a:r>
-            <a:endParaRPr lang="en-US" sz="3200" dirty="0"/>
-          </a:p>
-        </p:txBody>
-      </p:sp>
-      <p:pic>
-        <p:nvPicPr>
-          <p:cNvPr id="1026" name="Picture 2" descr="C:\Users\aakashdeep\Desktop\Dec2015\ML\CharacterRecognition_ANN\Output_ML\1.jpg"/>
-          <p:cNvPicPr>
-            <a:picLocks noGrp="1" noChangeAspect="1" noChangeArrowheads="1"/>
-          </p:cNvPicPr>
-          <p:nvPr>
-            <p:ph idx="1"/>
-          </p:nvPr>
-        </p:nvPicPr>
-        <p:blipFill rotWithShape="1">
-          <a:blip r:embed="rId3">
-            <a:extLst>
-              <a:ext uri="{28A0092B-C50C-407E-A947-70E740481C1C}">
-                <a14:useLocalDpi xmlns:a14="http://schemas.microsoft.com/office/drawing/2010/main" val="0"/>
-              </a:ext>
-            </a:extLst>
-          </a:blip>
-          <a:srcRect l="37320" t="11590" r="37290" b="13232"/>
-          <a:stretch/>
-        </p:blipFill>
-        <p:spPr bwMode="auto">
-          <a:xfrm>
-            <a:off x="474785" y="1828800"/>
-            <a:ext cx="8141678" cy="4893733"/>
-          </a:xfrm>
-          <a:prstGeom prst="rect">
-            <a:avLst/>
-          </a:prstGeom>
-          <a:noFill/>
-          <a:extLst>
-            <a:ext uri="{909E8E84-426E-40DD-AFC4-6F175D3DCCD1}">
-              <a14:hiddenFill xmlns:a14="http://schemas.microsoft.com/office/drawing/2010/main">
-                <a:solidFill>
-                  <a:srgbClr val="FFFFFF"/>
-                </a:solidFill>
-              </a14:hiddenFill>
-            </a:ext>
-          </a:extLst>
-        </p:spPr>
-      </p:pic>
-    </p:spTree>
-    <p:extLst>
-      <p:ext uri="{BB962C8B-B14F-4D97-AF65-F5344CB8AC3E}">
-        <p14:creationId xmlns:p14="http://schemas.microsoft.com/office/powerpoint/2010/main" val="2888427360"/>
-      </p:ext>
-    </p:extLst>
-  </p:cSld>
-  <p:clrMapOvr>
-    <a:masterClrMapping/>
-  </p:clrMapOvr>
-  <p:timing>
-    <p:tnLst>
-      <p:par>
-        <p:cTn id="1" dur="indefinite" restart="never" nodeType="tmRoot"/>
-      </p:par>
-    </p:tnLst>
-  </p:timing>
-</p:sld>
-</file>
-
-<file path=ppt/slides/slide12.xml><?xml version="1.0" encoding="utf-8"?>
-<p:sld xmlns:a="http://schemas.openxmlformats.org/drawingml/2006/main" xmlns:r="http://schemas.openxmlformats.org/officeDocument/2006/relationships" xmlns:p="http://schemas.openxmlformats.org/presentationml/2006/main">
-  <p:cSld>
-    <p:spTree>
-      <p:nvGrpSpPr>
-        <p:cNvPr id="1" name=""/>
-        <p:cNvGrpSpPr/>
-        <p:nvPr/>
-      </p:nvGrpSpPr>
-      <p:grpSpPr>
-        <a:xfrm>
-          <a:off x="0" y="0"/>
-          <a:ext cx="0" cy="0"/>
-          <a:chOff x="0" y="0"/>
-          <a:chExt cx="0" cy="0"/>
-        </a:xfrm>
-      </p:grpSpPr>
-      <p:sp>
-        <p:nvSpPr>
-          <p:cNvPr id="2" name="Title 1"/>
-          <p:cNvSpPr>
-            <a:spLocks noGrp="1"/>
-          </p:cNvSpPr>
-          <p:nvPr>
-            <p:ph type="title"/>
-          </p:nvPr>
-        </p:nvSpPr>
-        <p:spPr>
-          <a:xfrm>
             <a:off x="685800" y="838200"/>
             <a:ext cx="7848600" cy="609600"/>
           </a:xfrm>
@@ -16602,7 +16492,7 @@
 </p:sld>
 </file>
 
-<file path=ppt/slides/slide13.xml><?xml version="1.0" encoding="utf-8"?>
+<file path=ppt/slides/slide12.xml><?xml version="1.0" encoding="utf-8"?>
 <p:sld xmlns:a="http://schemas.openxmlformats.org/drawingml/2006/main" xmlns:r="http://schemas.openxmlformats.org/officeDocument/2006/relationships" xmlns:p="http://schemas.openxmlformats.org/presentationml/2006/main">
   <p:cSld>
     <p:spTree>
@@ -16641,7 +16531,11 @@
           <a:p>
             <a:r>
               <a:rPr lang="en-US" sz="3200" dirty="0" smtClean="0"/>
-              <a:t>Performance Analysis</a:t>
+              <a:t>Performance </a:t>
+            </a:r>
+            <a:r>
+              <a:rPr lang="en-US" sz="3200" dirty="0" smtClean="0"/>
+              <a:t>Analysis - I</a:t>
             </a:r>
             <a:endParaRPr lang="en-US" sz="3200" dirty="0"/>
           </a:p>
@@ -16692,6 +16586,215 @@
     <p:extLst>
       <p:ext uri="{BB962C8B-B14F-4D97-AF65-F5344CB8AC3E}">
         <p14:creationId xmlns:p14="http://schemas.microsoft.com/office/powerpoint/2010/main" val="3999322551"/>
+      </p:ext>
+    </p:extLst>
+  </p:cSld>
+  <p:clrMapOvr>
+    <a:masterClrMapping/>
+  </p:clrMapOvr>
+  <p:timing>
+    <p:tnLst>
+      <p:par>
+        <p:cTn id="1" dur="indefinite" restart="never" nodeType="tmRoot"/>
+      </p:par>
+    </p:tnLst>
+  </p:timing>
+</p:sld>
+</file>
+
+<file path=ppt/slides/slide13.xml><?xml version="1.0" encoding="utf-8"?>
+<p:sld xmlns:a="http://schemas.openxmlformats.org/drawingml/2006/main" xmlns:r="http://schemas.openxmlformats.org/officeDocument/2006/relationships" xmlns:p="http://schemas.openxmlformats.org/presentationml/2006/main">
+  <p:cSld>
+    <p:spTree>
+      <p:nvGrpSpPr>
+        <p:cNvPr id="1" name=""/>
+        <p:cNvGrpSpPr/>
+        <p:nvPr/>
+      </p:nvGrpSpPr>
+      <p:grpSpPr>
+        <a:xfrm>
+          <a:off x="0" y="0"/>
+          <a:ext cx="0" cy="0"/>
+          <a:chOff x="0" y="0"/>
+          <a:chExt cx="0" cy="0"/>
+        </a:xfrm>
+      </p:grpSpPr>
+      <p:sp>
+        <p:nvSpPr>
+          <p:cNvPr id="2" name="Title 1"/>
+          <p:cNvSpPr>
+            <a:spLocks noGrp="1"/>
+          </p:cNvSpPr>
+          <p:nvPr>
+            <p:ph type="title"/>
+          </p:nvPr>
+        </p:nvSpPr>
+        <p:spPr>
+          <a:xfrm>
+            <a:off x="685800" y="914400"/>
+            <a:ext cx="7848600" cy="609600"/>
+          </a:xfrm>
+        </p:spPr>
+        <p:txBody>
+          <a:bodyPr/>
+          <a:lstStyle/>
+          <a:p>
+            <a:r>
+              <a:rPr lang="en-US" sz="3200" dirty="0"/>
+              <a:t>Performance Analysis </a:t>
+            </a:r>
+            <a:r>
+              <a:rPr lang="en-US" sz="3200"/>
+              <a:t>- </a:t>
+            </a:r>
+            <a:r>
+              <a:rPr lang="en-US" sz="3200" smtClean="0"/>
+              <a:t>II</a:t>
+            </a:r>
+            <a:endParaRPr lang="en-US" sz="3200" dirty="0"/>
+          </a:p>
+        </p:txBody>
+      </p:sp>
+      <p:sp>
+        <p:nvSpPr>
+          <p:cNvPr id="3" name="Content Placeholder 2"/>
+          <p:cNvSpPr>
+            <a:spLocks noGrp="1"/>
+          </p:cNvSpPr>
+          <p:nvPr>
+            <p:ph idx="1"/>
+          </p:nvPr>
+        </p:nvSpPr>
+        <p:spPr>
+          <a:xfrm>
+            <a:off x="990600" y="1676400"/>
+            <a:ext cx="7848600" cy="4038600"/>
+          </a:xfrm>
+        </p:spPr>
+        <p:txBody>
+          <a:bodyPr/>
+          <a:lstStyle/>
+          <a:p>
+            <a:pPr marL="0" indent="0">
+              <a:buNone/>
+            </a:pPr>
+            <a:r>
+              <a:rPr lang="en-US" sz="2000" dirty="0" smtClean="0"/>
+              <a:t>Performance </a:t>
+            </a:r>
+            <a:r>
+              <a:rPr lang="en-US" sz="2000" dirty="0"/>
+              <a:t>measures by </a:t>
+            </a:r>
+            <a:r>
+              <a:rPr lang="en-US" sz="2000" dirty="0" err="1"/>
+              <a:t>backpropogation</a:t>
+            </a:r>
+            <a:r>
+              <a:rPr lang="en-US" sz="2000" dirty="0"/>
+              <a:t> tree classification</a:t>
+            </a:r>
+          </a:p>
+          <a:p>
+            <a:pPr marL="0" indent="0">
+              <a:buNone/>
+            </a:pPr>
+            <a:r>
+              <a:rPr lang="en-US" sz="2000" dirty="0"/>
+              <a:t>Percentage Correct Classification   : 88.375000%</a:t>
+            </a:r>
+          </a:p>
+          <a:p>
+            <a:pPr marL="0" indent="0">
+              <a:buNone/>
+            </a:pPr>
+            <a:r>
+              <a:rPr lang="en-US" sz="2000" dirty="0"/>
+              <a:t>Percentage Incorrect Classification : 11.625000%</a:t>
+            </a:r>
+          </a:p>
+          <a:p>
+            <a:pPr marL="0" indent="0">
+              <a:buNone/>
+            </a:pPr>
+            <a:r>
+              <a:rPr lang="en-US" sz="2000" dirty="0"/>
+              <a:t>P</a:t>
+            </a:r>
+            <a:r>
+              <a:rPr lang="en-US" sz="2000" dirty="0" smtClean="0"/>
+              <a:t>erformance </a:t>
+            </a:r>
+            <a:r>
+              <a:rPr lang="en-US" sz="2000" dirty="0"/>
+              <a:t>measures by Decision tree classification</a:t>
+            </a:r>
+          </a:p>
+          <a:p>
+            <a:pPr marL="0" indent="0">
+              <a:buNone/>
+            </a:pPr>
+            <a:r>
+              <a:rPr lang="en-US" sz="2000" dirty="0"/>
+              <a:t>Percentage Correct Classification   : 71.050000%</a:t>
+            </a:r>
+          </a:p>
+          <a:p>
+            <a:pPr marL="0" indent="0">
+              <a:buNone/>
+            </a:pPr>
+            <a:r>
+              <a:rPr lang="en-US" sz="2000" dirty="0"/>
+              <a:t>Percentage Incorrect Classification : 28.950000%</a:t>
+            </a:r>
+          </a:p>
+          <a:p>
+            <a:pPr marL="0" indent="0">
+              <a:buNone/>
+            </a:pPr>
+            <a:r>
+              <a:rPr lang="en-US" sz="2000" dirty="0"/>
+              <a:t>P</a:t>
+            </a:r>
+            <a:r>
+              <a:rPr lang="en-US" sz="2000" dirty="0" smtClean="0"/>
+              <a:t>erformance </a:t>
+            </a:r>
+            <a:r>
+              <a:rPr lang="en-US" sz="2000" dirty="0"/>
+              <a:t>measures by KNN classification</a:t>
+            </a:r>
+          </a:p>
+          <a:p>
+            <a:pPr marL="0" indent="0">
+              <a:buNone/>
+            </a:pPr>
+            <a:r>
+              <a:rPr lang="en-US" sz="2000" dirty="0"/>
+              <a:t>Percentage Correct Classification   : 81.175000%</a:t>
+            </a:r>
+          </a:p>
+          <a:p>
+            <a:pPr marL="0" indent="0">
+              <a:buNone/>
+            </a:pPr>
+            <a:r>
+              <a:rPr lang="en-US" sz="2000" dirty="0"/>
+              <a:t>Percentage Incorrect Classification : 18.825000%</a:t>
+            </a:r>
+          </a:p>
+          <a:p>
+            <a:pPr marL="0" indent="0">
+              <a:buNone/>
+            </a:pPr>
+            <a:endParaRPr lang="en-US" sz="2000" dirty="0"/>
+          </a:p>
+        </p:txBody>
+      </p:sp>
+    </p:spTree>
+    <p:extLst>
+      <p:ext uri="{BB962C8B-B14F-4D97-AF65-F5344CB8AC3E}">
+        <p14:creationId xmlns:p14="http://schemas.microsoft.com/office/powerpoint/2010/main" val="2888427360"/>
       </p:ext>
     </p:extLst>
   </p:cSld>
@@ -18011,26 +18114,11 @@
                 <a:ea typeface="+mn-ea"/>
                 <a:cs typeface="+mn-cs"/>
               </a:rPr>
-              <a:t>patterns  via ANN and Backpropagation algorithm              </a:t>
-            </a:r>
-            <a:r>
-              <a:rPr lang="en-US" sz="2000" dirty="0" smtClean="0">
-                <a:solidFill>
-                  <a:schemeClr val="tx1"/>
-                </a:solidFill>
-                <a:latin typeface="+mn-lt"/>
-                <a:ea typeface="+mn-ea"/>
-                <a:cs typeface="+mn-cs"/>
-              </a:rPr>
-              <a:t>(</a:t>
+              <a:t>patterns  via ANN and Backpropagation algorithm              (</a:t>
             </a:r>
             <a:r>
               <a:rPr lang="en-US" sz="2000" dirty="0" smtClean="0"/>
-              <a:t>Implementation </a:t>
-            </a:r>
-            <a:r>
-              <a:rPr lang="en-US" sz="2000" dirty="0" smtClean="0"/>
-              <a:t>in MATLAB )</a:t>
+              <a:t>Implementation in MATLAB )</a:t>
             </a:r>
           </a:p>
           <a:p>

--- a/CHARACTER RECOGNITION USING NEURAL NETWORKS.pptx
+++ b/CHARACTER RECOGNITION USING NEURAL NETWORKS.pptx
@@ -5,7 +5,7 @@
     <p:sldMasterId id="2147483660" r:id="rId1"/>
   </p:sldMasterIdLst>
   <p:notesMasterIdLst>
-    <p:notesMasterId r:id="rId18"/>
+    <p:notesMasterId r:id="rId19"/>
   </p:notesMasterIdLst>
   <p:sldIdLst>
     <p:sldId id="256" r:id="rId2"/>
@@ -19,11 +19,12 @@
     <p:sldId id="259" r:id="rId10"/>
     <p:sldId id="268" r:id="rId11"/>
     <p:sldId id="270" r:id="rId12"/>
-    <p:sldId id="274" r:id="rId13"/>
-    <p:sldId id="261" r:id="rId14"/>
-    <p:sldId id="269" r:id="rId15"/>
-    <p:sldId id="262" r:id="rId16"/>
-    <p:sldId id="275" r:id="rId17"/>
+    <p:sldId id="276" r:id="rId13"/>
+    <p:sldId id="274" r:id="rId14"/>
+    <p:sldId id="261" r:id="rId15"/>
+    <p:sldId id="269" r:id="rId16"/>
+    <p:sldId id="262" r:id="rId17"/>
+    <p:sldId id="275" r:id="rId18"/>
   </p:sldIdLst>
   <p:sldSz cx="9144000" cy="6858000" type="screen4x3"/>
   <p:notesSz cx="6858000" cy="9144000"/>
@@ -11472,7 +11473,7 @@
           <a:p>
             <a:fld id="{63EAA015-C6C5-4D85-8AD5-0530B4BE57CA}" type="datetimeFigureOut">
               <a:rPr lang="en-US" smtClean="0"/>
-              <a:t>12/11/2015</a:t>
+              <a:t>12/12/2015</a:t>
             </a:fld>
             <a:endParaRPr lang="en-US"/>
           </a:p>
@@ -12283,7 +12284,7 @@
           <a:p>
             <a:fld id="{546F5B1E-DB30-4146-948A-605F078A8F1E}" type="slidenum">
               <a:rPr lang="en-US" smtClean="0"/>
-              <a:t>13</a:t>
+              <a:t>14</a:t>
             </a:fld>
             <a:endParaRPr lang="en-US"/>
           </a:p>
@@ -12371,7 +12372,7 @@
           <a:p>
             <a:fld id="{546F5B1E-DB30-4146-948A-605F078A8F1E}" type="slidenum">
               <a:rPr lang="en-US" smtClean="0"/>
-              <a:t>15</a:t>
+              <a:t>16</a:t>
             </a:fld>
             <a:endParaRPr lang="en-US"/>
           </a:p>
@@ -12521,7 +12522,7 @@
           <a:p>
             <a:fld id="{108D7FC6-6740-4CB4-9CA5-99CFB560F1E6}" type="datetimeFigureOut">
               <a:rPr lang="en-US" smtClean="0"/>
-              <a:t>12/11/2015</a:t>
+              <a:t>12/12/2015</a:t>
             </a:fld>
             <a:endParaRPr lang="en-US"/>
           </a:p>
@@ -12703,7 +12704,7 @@
           <a:p>
             <a:fld id="{108D7FC6-6740-4CB4-9CA5-99CFB560F1E6}" type="datetimeFigureOut">
               <a:rPr lang="en-US" smtClean="0"/>
-              <a:t>12/11/2015</a:t>
+              <a:t>12/12/2015</a:t>
             </a:fld>
             <a:endParaRPr lang="en-US"/>
           </a:p>
@@ -12895,7 +12896,7 @@
           <a:p>
             <a:fld id="{108D7FC6-6740-4CB4-9CA5-99CFB560F1E6}" type="datetimeFigureOut">
               <a:rPr lang="en-US" smtClean="0"/>
-              <a:t>12/11/2015</a:t>
+              <a:t>12/12/2015</a:t>
             </a:fld>
             <a:endParaRPr lang="en-US"/>
           </a:p>
@@ -13077,7 +13078,7 @@
           <a:p>
             <a:fld id="{108D7FC6-6740-4CB4-9CA5-99CFB560F1E6}" type="datetimeFigureOut">
               <a:rPr lang="en-US" smtClean="0"/>
-              <a:t>12/11/2015</a:t>
+              <a:t>12/12/2015</a:t>
             </a:fld>
             <a:endParaRPr lang="en-US"/>
           </a:p>
@@ -13281,7 +13282,7 @@
           <a:p>
             <a:fld id="{108D7FC6-6740-4CB4-9CA5-99CFB560F1E6}" type="datetimeFigureOut">
               <a:rPr lang="en-US" smtClean="0"/>
-              <a:t>12/11/2015</a:t>
+              <a:t>12/12/2015</a:t>
             </a:fld>
             <a:endParaRPr lang="en-US"/>
           </a:p>
@@ -13581,7 +13582,7 @@
           <a:p>
             <a:fld id="{108D7FC6-6740-4CB4-9CA5-99CFB560F1E6}" type="datetimeFigureOut">
               <a:rPr lang="en-US" smtClean="0"/>
-              <a:t>12/11/2015</a:t>
+              <a:t>12/12/2015</a:t>
             </a:fld>
             <a:endParaRPr lang="en-US"/>
           </a:p>
@@ -14020,7 +14021,7 @@
           <a:p>
             <a:fld id="{108D7FC6-6740-4CB4-9CA5-99CFB560F1E6}" type="datetimeFigureOut">
               <a:rPr lang="en-US" smtClean="0"/>
-              <a:t>12/11/2015</a:t>
+              <a:t>12/12/2015</a:t>
             </a:fld>
             <a:endParaRPr lang="en-US"/>
           </a:p>
@@ -14150,7 +14151,7 @@
           <a:p>
             <a:fld id="{108D7FC6-6740-4CB4-9CA5-99CFB560F1E6}" type="datetimeFigureOut">
               <a:rPr lang="en-US" smtClean="0"/>
-              <a:t>12/11/2015</a:t>
+              <a:t>12/12/2015</a:t>
             </a:fld>
             <a:endParaRPr lang="en-US"/>
           </a:p>
@@ -14257,7 +14258,7 @@
           <a:p>
             <a:fld id="{108D7FC6-6740-4CB4-9CA5-99CFB560F1E6}" type="datetimeFigureOut">
               <a:rPr lang="en-US" smtClean="0"/>
-              <a:t>12/11/2015</a:t>
+              <a:t>12/12/2015</a:t>
             </a:fld>
             <a:endParaRPr lang="en-US"/>
           </a:p>
@@ -14546,7 +14547,7 @@
           <a:p>
             <a:fld id="{108D7FC6-6740-4CB4-9CA5-99CFB560F1E6}" type="datetimeFigureOut">
               <a:rPr lang="en-US" smtClean="0"/>
-              <a:t>12/11/2015</a:t>
+              <a:t>12/12/2015</a:t>
             </a:fld>
             <a:endParaRPr lang="en-US"/>
           </a:p>
@@ -14815,7 +14816,7 @@
           <a:p>
             <a:fld id="{108D7FC6-6740-4CB4-9CA5-99CFB560F1E6}" type="datetimeFigureOut">
               <a:rPr lang="en-US" smtClean="0"/>
-              <a:t>12/11/2015</a:t>
+              <a:t>12/12/2015</a:t>
             </a:fld>
             <a:endParaRPr lang="en-US"/>
           </a:p>
@@ -15139,7 +15140,7 @@
           <a:p>
             <a:fld id="{108D7FC6-6740-4CB4-9CA5-99CFB560F1E6}" type="datetimeFigureOut">
               <a:rPr lang="en-US" smtClean="0"/>
-              <a:t>12/11/2015</a:t>
+              <a:t>12/12/2015</a:t>
             </a:fld>
             <a:endParaRPr lang="en-US"/>
           </a:p>
@@ -16519,6 +16520,115 @@
             <p:ph type="title"/>
           </p:nvPr>
         </p:nvSpPr>
+        <p:spPr/>
+        <p:txBody>
+          <a:bodyPr/>
+          <a:lstStyle/>
+          <a:p>
+            <a:endParaRPr lang="en-US"/>
+          </a:p>
+        </p:txBody>
+      </p:sp>
+      <p:sp>
+        <p:nvSpPr>
+          <p:cNvPr id="3" name="Content Placeholder 2"/>
+          <p:cNvSpPr>
+            <a:spLocks noGrp="1"/>
+          </p:cNvSpPr>
+          <p:nvPr>
+            <p:ph idx="1"/>
+          </p:nvPr>
+        </p:nvSpPr>
+        <p:spPr/>
+        <p:txBody>
+          <a:bodyPr/>
+          <a:lstStyle/>
+          <a:p>
+            <a:endParaRPr lang="en-US"/>
+          </a:p>
+        </p:txBody>
+      </p:sp>
+      <p:pic>
+        <p:nvPicPr>
+          <p:cNvPr id="1026" name="Picture 2" descr="C:\Users\aakashdeep\Documents\GitHub\Screen Shot 2015-12-12 at 9.31.45 AM.png"/>
+          <p:cNvPicPr>
+            <a:picLocks noChangeAspect="1" noChangeArrowheads="1"/>
+          </p:cNvPicPr>
+          <p:nvPr/>
+        </p:nvPicPr>
+        <p:blipFill>
+          <a:blip r:embed="rId2">
+            <a:extLst>
+              <a:ext uri="{28A0092B-C50C-407E-A947-70E740481C1C}">
+                <a14:useLocalDpi xmlns:a14="http://schemas.microsoft.com/office/drawing/2010/main" val="0"/>
+              </a:ext>
+            </a:extLst>
+          </a:blip>
+          <a:srcRect/>
+          <a:stretch>
+            <a:fillRect/>
+          </a:stretch>
+        </p:blipFill>
+        <p:spPr bwMode="auto">
+          <a:xfrm>
+            <a:off x="84667" y="42334"/>
+            <a:ext cx="8983133" cy="6663266"/>
+          </a:xfrm>
+          <a:prstGeom prst="rect">
+            <a:avLst/>
+          </a:prstGeom>
+          <a:noFill/>
+          <a:extLst>
+            <a:ext uri="{909E8E84-426E-40DD-AFC4-6F175D3DCCD1}">
+              <a14:hiddenFill xmlns:a14="http://schemas.microsoft.com/office/drawing/2010/main">
+                <a:solidFill>
+                  <a:srgbClr val="FFFFFF"/>
+                </a:solidFill>
+              </a14:hiddenFill>
+            </a:ext>
+          </a:extLst>
+        </p:spPr>
+      </p:pic>
+    </p:spTree>
+    <p:extLst>
+      <p:ext uri="{BB962C8B-B14F-4D97-AF65-F5344CB8AC3E}">
+        <p14:creationId xmlns:p14="http://schemas.microsoft.com/office/powerpoint/2010/main" val="495804566"/>
+      </p:ext>
+    </p:extLst>
+  </p:cSld>
+  <p:clrMapOvr>
+    <a:masterClrMapping/>
+  </p:clrMapOvr>
+</p:sld>
+</file>
+
+<file path=ppt/slides/slide13.xml><?xml version="1.0" encoding="utf-8"?>
+<p:sld xmlns:a="http://schemas.openxmlformats.org/drawingml/2006/main" xmlns:r="http://schemas.openxmlformats.org/officeDocument/2006/relationships" xmlns:p="http://schemas.openxmlformats.org/presentationml/2006/main">
+  <p:cSld>
+    <p:spTree>
+      <p:nvGrpSpPr>
+        <p:cNvPr id="1" name=""/>
+        <p:cNvGrpSpPr/>
+        <p:nvPr/>
+      </p:nvGrpSpPr>
+      <p:grpSpPr>
+        <a:xfrm>
+          <a:off x="0" y="0"/>
+          <a:ext cx="0" cy="0"/>
+          <a:chOff x="0" y="0"/>
+          <a:chExt cx="0" cy="0"/>
+        </a:xfrm>
+      </p:grpSpPr>
+      <p:sp>
+        <p:nvSpPr>
+          <p:cNvPr id="2" name="Title 1"/>
+          <p:cNvSpPr>
+            <a:spLocks noGrp="1"/>
+          </p:cNvSpPr>
+          <p:nvPr>
+            <p:ph type="title"/>
+          </p:nvPr>
+        </p:nvSpPr>
         <p:spPr>
           <a:xfrm>
             <a:off x="685800" y="609600"/>
@@ -16531,11 +16641,7 @@
           <a:p>
             <a:r>
               <a:rPr lang="en-US" sz="3200" dirty="0" smtClean="0"/>
-              <a:t>Performance </a:t>
-            </a:r>
-            <a:r>
-              <a:rPr lang="en-US" sz="3200" dirty="0" smtClean="0"/>
-              <a:t>Analysis - I</a:t>
+              <a:t>Performance Analysis - I</a:t>
             </a:r>
             <a:endParaRPr lang="en-US" sz="3200" dirty="0"/>
           </a:p>
@@ -16602,7 +16708,7 @@
 </p:sld>
 </file>
 
-<file path=ppt/slides/slide13.xml><?xml version="1.0" encoding="utf-8"?>
+<file path=ppt/slides/slide14.xml><?xml version="1.0" encoding="utf-8"?>
 <p:sld xmlns:a="http://schemas.openxmlformats.org/drawingml/2006/main" xmlns:r="http://schemas.openxmlformats.org/officeDocument/2006/relationships" xmlns:p="http://schemas.openxmlformats.org/presentationml/2006/main">
   <p:cSld>
     <p:spTree>
@@ -16795,259 +16901,6 @@
     <p:extLst>
       <p:ext uri="{BB962C8B-B14F-4D97-AF65-F5344CB8AC3E}">
         <p14:creationId xmlns:p14="http://schemas.microsoft.com/office/powerpoint/2010/main" val="2888427360"/>
-      </p:ext>
-    </p:extLst>
-  </p:cSld>
-  <p:clrMapOvr>
-    <a:masterClrMapping/>
-  </p:clrMapOvr>
-  <p:timing>
-    <p:tnLst>
-      <p:par>
-        <p:cTn id="1" dur="indefinite" restart="never" nodeType="tmRoot"/>
-      </p:par>
-    </p:tnLst>
-  </p:timing>
-</p:sld>
-</file>
-
-<file path=ppt/slides/slide14.xml><?xml version="1.0" encoding="utf-8"?>
-<p:sld xmlns:a="http://schemas.openxmlformats.org/drawingml/2006/main" xmlns:r="http://schemas.openxmlformats.org/officeDocument/2006/relationships" xmlns:p="http://schemas.openxmlformats.org/presentationml/2006/main">
-  <p:cSld>
-    <p:spTree>
-      <p:nvGrpSpPr>
-        <p:cNvPr id="1" name=""/>
-        <p:cNvGrpSpPr/>
-        <p:nvPr/>
-      </p:nvGrpSpPr>
-      <p:grpSpPr>
-        <a:xfrm>
-          <a:off x="0" y="0"/>
-          <a:ext cx="0" cy="0"/>
-          <a:chOff x="0" y="0"/>
-          <a:chExt cx="0" cy="0"/>
-        </a:xfrm>
-      </p:grpSpPr>
-      <p:sp>
-        <p:nvSpPr>
-          <p:cNvPr id="2" name="Title 1"/>
-          <p:cNvSpPr>
-            <a:spLocks noGrp="1"/>
-          </p:cNvSpPr>
-          <p:nvPr>
-            <p:ph type="title"/>
-          </p:nvPr>
-        </p:nvSpPr>
-        <p:spPr>
-          <a:xfrm>
-            <a:off x="685800" y="914400"/>
-            <a:ext cx="8229600" cy="762000"/>
-          </a:xfrm>
-        </p:spPr>
-        <p:txBody>
-          <a:bodyPr/>
-          <a:lstStyle/>
-          <a:p>
-            <a:r>
-              <a:rPr lang="en-US" sz="3200" dirty="0" smtClean="0"/>
-              <a:t>Where can we use Character Recognition?</a:t>
-            </a:r>
-            <a:endParaRPr lang="en-US" sz="3200" dirty="0"/>
-          </a:p>
-        </p:txBody>
-      </p:sp>
-      <p:sp>
-        <p:nvSpPr>
-          <p:cNvPr id="3" name="Content Placeholder 2"/>
-          <p:cNvSpPr>
-            <a:spLocks noGrp="1"/>
-          </p:cNvSpPr>
-          <p:nvPr>
-            <p:ph idx="1"/>
-          </p:nvPr>
-        </p:nvSpPr>
-        <p:spPr>
-          <a:xfrm>
-            <a:off x="685800" y="1752601"/>
-            <a:ext cx="7848600" cy="3962400"/>
-          </a:xfrm>
-        </p:spPr>
-        <p:txBody>
-          <a:bodyPr/>
-          <a:lstStyle/>
-          <a:p>
-            <a:r>
-              <a:rPr lang="en-US" sz="2000" dirty="0" smtClean="0"/>
-              <a:t>Data Entry </a:t>
-            </a:r>
-            <a:r>
-              <a:rPr lang="en-US" sz="2000" i="1" dirty="0">
-                <a:solidFill>
-                  <a:schemeClr val="tx1"/>
-                </a:solidFill>
-                <a:latin typeface="+mn-lt"/>
-                <a:ea typeface="+mn-ea"/>
-                <a:cs typeface="+mn-cs"/>
-              </a:rPr>
-              <a:t>(banking environment</a:t>
-            </a:r>
-            <a:r>
-              <a:rPr lang="en-US" sz="2000" i="1" dirty="0" smtClean="0">
-                <a:solidFill>
-                  <a:schemeClr val="tx1"/>
-                </a:solidFill>
-                <a:latin typeface="+mn-lt"/>
-                <a:ea typeface="+mn-ea"/>
-                <a:cs typeface="+mn-cs"/>
-              </a:rPr>
-              <a:t>)</a:t>
-            </a:r>
-          </a:p>
-          <a:p>
-            <a:r>
-              <a:rPr lang="en-US" sz="2000" dirty="0" smtClean="0"/>
-              <a:t>Text Entry </a:t>
-            </a:r>
-            <a:r>
-              <a:rPr lang="en-US" sz="2000" i="1" dirty="0">
-                <a:solidFill>
-                  <a:schemeClr val="tx1"/>
-                </a:solidFill>
-                <a:latin typeface="+mn-lt"/>
-                <a:ea typeface="+mn-ea"/>
-                <a:cs typeface="+mn-cs"/>
-              </a:rPr>
-              <a:t>(office automation</a:t>
-            </a:r>
-            <a:r>
-              <a:rPr lang="en-US" sz="2000" i="1" dirty="0" smtClean="0">
-                <a:solidFill>
-                  <a:schemeClr val="tx1"/>
-                </a:solidFill>
-                <a:latin typeface="+mn-lt"/>
-                <a:ea typeface="+mn-ea"/>
-                <a:cs typeface="+mn-cs"/>
-              </a:rPr>
-              <a:t>)</a:t>
-            </a:r>
-          </a:p>
-          <a:p>
-            <a:r>
-              <a:rPr lang="en-US" sz="2000" dirty="0">
-                <a:solidFill>
-                  <a:schemeClr val="tx1"/>
-                </a:solidFill>
-                <a:latin typeface="+mn-lt"/>
-                <a:ea typeface="+mn-ea"/>
-                <a:cs typeface="+mn-cs"/>
-              </a:rPr>
-              <a:t>Process automation </a:t>
-            </a:r>
-            <a:r>
-              <a:rPr lang="en-US" sz="2000" i="1" dirty="0">
-                <a:solidFill>
-                  <a:schemeClr val="tx1"/>
-                </a:solidFill>
-                <a:latin typeface="+mn-lt"/>
-                <a:ea typeface="+mn-ea"/>
-                <a:cs typeface="+mn-cs"/>
-              </a:rPr>
-              <a:t>(post office)</a:t>
-            </a:r>
-            <a:endParaRPr lang="en-US" sz="2000" dirty="0" smtClean="0"/>
-          </a:p>
-          <a:p>
-            <a:r>
-              <a:rPr lang="en-US" sz="2000" dirty="0" smtClean="0"/>
-              <a:t>Automatic Number Plate Recognition </a:t>
-            </a:r>
-          </a:p>
-          <a:p>
-            <a:r>
-              <a:rPr lang="en-US" sz="2000" dirty="0" smtClean="0"/>
-              <a:t>Extraction of information </a:t>
-            </a:r>
-            <a:r>
-              <a:rPr lang="en-US" sz="2000" i="1" dirty="0" smtClean="0"/>
-              <a:t>(Cards)</a:t>
-            </a:r>
-          </a:p>
-          <a:p>
-            <a:r>
-              <a:rPr lang="en-US" sz="2000" dirty="0" smtClean="0"/>
-              <a:t>Pen computing - </a:t>
-            </a:r>
-            <a:r>
-              <a:rPr lang="en-US" sz="2000" dirty="0">
-                <a:solidFill>
-                  <a:schemeClr val="tx1"/>
-                </a:solidFill>
-                <a:latin typeface="+mn-lt"/>
-                <a:ea typeface="+mn-ea"/>
-                <a:cs typeface="+mn-cs"/>
-              </a:rPr>
-              <a:t>Converting handwriting in real time to control a computer</a:t>
-            </a:r>
-            <a:endParaRPr lang="en-US" sz="2000" dirty="0" smtClean="0"/>
-          </a:p>
-          <a:p>
-            <a:r>
-              <a:rPr lang="en-US" sz="2000" dirty="0" smtClean="0">
-                <a:solidFill>
-                  <a:schemeClr val="tx1"/>
-                </a:solidFill>
-              </a:rPr>
-              <a:t>Assistive technology for blind and visually impaired users</a:t>
-            </a:r>
-          </a:p>
-          <a:p>
-            <a:r>
-              <a:rPr lang="en-US" sz="2000" dirty="0">
-                <a:solidFill>
-                  <a:schemeClr val="tx1"/>
-                </a:solidFill>
-                <a:latin typeface="+mn-lt"/>
-                <a:ea typeface="+mn-ea"/>
-                <a:cs typeface="+mn-cs"/>
-              </a:rPr>
-              <a:t>Make electronic images of printed documents </a:t>
-            </a:r>
-            <a:r>
-              <a:rPr lang="en-US" sz="2000" dirty="0" smtClean="0">
-                <a:solidFill>
-                  <a:schemeClr val="tx1"/>
-                </a:solidFill>
-                <a:latin typeface="+mn-lt"/>
-                <a:ea typeface="+mn-ea"/>
-                <a:cs typeface="+mn-cs"/>
-              </a:rPr>
-              <a:t>searchable </a:t>
-            </a:r>
-            <a:r>
-              <a:rPr lang="en-US" sz="2000" i="1" dirty="0" smtClean="0">
-                <a:solidFill>
-                  <a:schemeClr val="tx1"/>
-                </a:solidFill>
-              </a:rPr>
-              <a:t>(Google Books)</a:t>
-            </a:r>
-          </a:p>
-          <a:p>
-            <a:endParaRPr lang="en-US" sz="2000" dirty="0" smtClean="0">
-              <a:solidFill>
-                <a:schemeClr val="tx1"/>
-              </a:solidFill>
-            </a:endParaRPr>
-          </a:p>
-          <a:p>
-            <a:endParaRPr lang="en-US" sz="2000" dirty="0"/>
-          </a:p>
-        </p:txBody>
-      </p:sp>
-    </p:spTree>
-    <p:extLst>
-      <p:ext uri="{BB962C8B-B14F-4D97-AF65-F5344CB8AC3E}">
-        <p14:creationId xmlns:p14="http://schemas.microsoft.com/office/powerpoint/2010/main" val="4256570086"/>
       </p:ext>
     </p:extLst>
   </p:cSld>
@@ -17094,6 +16947,259 @@
         <p:spPr>
           <a:xfrm>
             <a:off x="685800" y="914400"/>
+            <a:ext cx="8229600" cy="762000"/>
+          </a:xfrm>
+        </p:spPr>
+        <p:txBody>
+          <a:bodyPr/>
+          <a:lstStyle/>
+          <a:p>
+            <a:r>
+              <a:rPr lang="en-US" sz="3200" dirty="0" smtClean="0"/>
+              <a:t>Where can we use Character Recognition?</a:t>
+            </a:r>
+            <a:endParaRPr lang="en-US" sz="3200" dirty="0"/>
+          </a:p>
+        </p:txBody>
+      </p:sp>
+      <p:sp>
+        <p:nvSpPr>
+          <p:cNvPr id="3" name="Content Placeholder 2"/>
+          <p:cNvSpPr>
+            <a:spLocks noGrp="1"/>
+          </p:cNvSpPr>
+          <p:nvPr>
+            <p:ph idx="1"/>
+          </p:nvPr>
+        </p:nvSpPr>
+        <p:spPr>
+          <a:xfrm>
+            <a:off x="685800" y="1752601"/>
+            <a:ext cx="7848600" cy="3962400"/>
+          </a:xfrm>
+        </p:spPr>
+        <p:txBody>
+          <a:bodyPr/>
+          <a:lstStyle/>
+          <a:p>
+            <a:r>
+              <a:rPr lang="en-US" sz="2000" dirty="0" smtClean="0"/>
+              <a:t>Data Entry </a:t>
+            </a:r>
+            <a:r>
+              <a:rPr lang="en-US" sz="2000" i="1" dirty="0">
+                <a:solidFill>
+                  <a:schemeClr val="tx1"/>
+                </a:solidFill>
+                <a:latin typeface="+mn-lt"/>
+                <a:ea typeface="+mn-ea"/>
+                <a:cs typeface="+mn-cs"/>
+              </a:rPr>
+              <a:t>(banking environment</a:t>
+            </a:r>
+            <a:r>
+              <a:rPr lang="en-US" sz="2000" i="1" dirty="0" smtClean="0">
+                <a:solidFill>
+                  <a:schemeClr val="tx1"/>
+                </a:solidFill>
+                <a:latin typeface="+mn-lt"/>
+                <a:ea typeface="+mn-ea"/>
+                <a:cs typeface="+mn-cs"/>
+              </a:rPr>
+              <a:t>)</a:t>
+            </a:r>
+          </a:p>
+          <a:p>
+            <a:r>
+              <a:rPr lang="en-US" sz="2000" dirty="0" smtClean="0"/>
+              <a:t>Text Entry </a:t>
+            </a:r>
+            <a:r>
+              <a:rPr lang="en-US" sz="2000" i="1" dirty="0">
+                <a:solidFill>
+                  <a:schemeClr val="tx1"/>
+                </a:solidFill>
+                <a:latin typeface="+mn-lt"/>
+                <a:ea typeface="+mn-ea"/>
+                <a:cs typeface="+mn-cs"/>
+              </a:rPr>
+              <a:t>(office automation</a:t>
+            </a:r>
+            <a:r>
+              <a:rPr lang="en-US" sz="2000" i="1" dirty="0" smtClean="0">
+                <a:solidFill>
+                  <a:schemeClr val="tx1"/>
+                </a:solidFill>
+                <a:latin typeface="+mn-lt"/>
+                <a:ea typeface="+mn-ea"/>
+                <a:cs typeface="+mn-cs"/>
+              </a:rPr>
+              <a:t>)</a:t>
+            </a:r>
+          </a:p>
+          <a:p>
+            <a:r>
+              <a:rPr lang="en-US" sz="2000" dirty="0">
+                <a:solidFill>
+                  <a:schemeClr val="tx1"/>
+                </a:solidFill>
+                <a:latin typeface="+mn-lt"/>
+                <a:ea typeface="+mn-ea"/>
+                <a:cs typeface="+mn-cs"/>
+              </a:rPr>
+              <a:t>Process automation </a:t>
+            </a:r>
+            <a:r>
+              <a:rPr lang="en-US" sz="2000" i="1" dirty="0">
+                <a:solidFill>
+                  <a:schemeClr val="tx1"/>
+                </a:solidFill>
+                <a:latin typeface="+mn-lt"/>
+                <a:ea typeface="+mn-ea"/>
+                <a:cs typeface="+mn-cs"/>
+              </a:rPr>
+              <a:t>(post office)</a:t>
+            </a:r>
+            <a:endParaRPr lang="en-US" sz="2000" dirty="0" smtClean="0"/>
+          </a:p>
+          <a:p>
+            <a:r>
+              <a:rPr lang="en-US" sz="2000" dirty="0" smtClean="0"/>
+              <a:t>Automatic Number Plate Recognition </a:t>
+            </a:r>
+          </a:p>
+          <a:p>
+            <a:r>
+              <a:rPr lang="en-US" sz="2000" dirty="0" smtClean="0"/>
+              <a:t>Extraction of information </a:t>
+            </a:r>
+            <a:r>
+              <a:rPr lang="en-US" sz="2000" i="1" dirty="0" smtClean="0"/>
+              <a:t>(Cards)</a:t>
+            </a:r>
+          </a:p>
+          <a:p>
+            <a:r>
+              <a:rPr lang="en-US" sz="2000" dirty="0" smtClean="0"/>
+              <a:t>Pen computing - </a:t>
+            </a:r>
+            <a:r>
+              <a:rPr lang="en-US" sz="2000" dirty="0">
+                <a:solidFill>
+                  <a:schemeClr val="tx1"/>
+                </a:solidFill>
+                <a:latin typeface="+mn-lt"/>
+                <a:ea typeface="+mn-ea"/>
+                <a:cs typeface="+mn-cs"/>
+              </a:rPr>
+              <a:t>Converting handwriting in real time to control a computer</a:t>
+            </a:r>
+            <a:endParaRPr lang="en-US" sz="2000" dirty="0" smtClean="0"/>
+          </a:p>
+          <a:p>
+            <a:r>
+              <a:rPr lang="en-US" sz="2000" dirty="0" smtClean="0">
+                <a:solidFill>
+                  <a:schemeClr val="tx1"/>
+                </a:solidFill>
+              </a:rPr>
+              <a:t>Assistive technology for blind and visually impaired users</a:t>
+            </a:r>
+          </a:p>
+          <a:p>
+            <a:r>
+              <a:rPr lang="en-US" sz="2000" dirty="0">
+                <a:solidFill>
+                  <a:schemeClr val="tx1"/>
+                </a:solidFill>
+                <a:latin typeface="+mn-lt"/>
+                <a:ea typeface="+mn-ea"/>
+                <a:cs typeface="+mn-cs"/>
+              </a:rPr>
+              <a:t>Make electronic images of printed documents </a:t>
+            </a:r>
+            <a:r>
+              <a:rPr lang="en-US" sz="2000" dirty="0" smtClean="0">
+                <a:solidFill>
+                  <a:schemeClr val="tx1"/>
+                </a:solidFill>
+                <a:latin typeface="+mn-lt"/>
+                <a:ea typeface="+mn-ea"/>
+                <a:cs typeface="+mn-cs"/>
+              </a:rPr>
+              <a:t>searchable </a:t>
+            </a:r>
+            <a:r>
+              <a:rPr lang="en-US" sz="2000" i="1" dirty="0" smtClean="0">
+                <a:solidFill>
+                  <a:schemeClr val="tx1"/>
+                </a:solidFill>
+              </a:rPr>
+              <a:t>(Google Books)</a:t>
+            </a:r>
+          </a:p>
+          <a:p>
+            <a:endParaRPr lang="en-US" sz="2000" dirty="0" smtClean="0">
+              <a:solidFill>
+                <a:schemeClr val="tx1"/>
+              </a:solidFill>
+            </a:endParaRPr>
+          </a:p>
+          <a:p>
+            <a:endParaRPr lang="en-US" sz="2000" dirty="0"/>
+          </a:p>
+        </p:txBody>
+      </p:sp>
+    </p:spTree>
+    <p:extLst>
+      <p:ext uri="{BB962C8B-B14F-4D97-AF65-F5344CB8AC3E}">
+        <p14:creationId xmlns:p14="http://schemas.microsoft.com/office/powerpoint/2010/main" val="4256570086"/>
+      </p:ext>
+    </p:extLst>
+  </p:cSld>
+  <p:clrMapOvr>
+    <a:masterClrMapping/>
+  </p:clrMapOvr>
+  <p:timing>
+    <p:tnLst>
+      <p:par>
+        <p:cTn id="1" dur="indefinite" restart="never" nodeType="tmRoot"/>
+      </p:par>
+    </p:tnLst>
+  </p:timing>
+</p:sld>
+</file>
+
+<file path=ppt/slides/slide16.xml><?xml version="1.0" encoding="utf-8"?>
+<p:sld xmlns:a="http://schemas.openxmlformats.org/drawingml/2006/main" xmlns:r="http://schemas.openxmlformats.org/officeDocument/2006/relationships" xmlns:p="http://schemas.openxmlformats.org/presentationml/2006/main">
+  <p:cSld>
+    <p:spTree>
+      <p:nvGrpSpPr>
+        <p:cNvPr id="1" name=""/>
+        <p:cNvGrpSpPr/>
+        <p:nvPr/>
+      </p:nvGrpSpPr>
+      <p:grpSpPr>
+        <a:xfrm>
+          <a:off x="0" y="0"/>
+          <a:ext cx="0" cy="0"/>
+          <a:chOff x="0" y="0"/>
+          <a:chExt cx="0" cy="0"/>
+        </a:xfrm>
+      </p:grpSpPr>
+      <p:sp>
+        <p:nvSpPr>
+          <p:cNvPr id="2" name="Title 1"/>
+          <p:cNvSpPr>
+            <a:spLocks noGrp="1"/>
+          </p:cNvSpPr>
+          <p:nvPr>
+            <p:ph type="title"/>
+          </p:nvPr>
+        </p:nvSpPr>
+        <p:spPr>
+          <a:xfrm>
+            <a:off x="685800" y="914400"/>
             <a:ext cx="7848600" cy="609600"/>
           </a:xfrm>
         </p:spPr>
@@ -17176,7 +17282,7 @@
 </p:sld>
 </file>
 
-<file path=ppt/slides/slide16.xml><?xml version="1.0" encoding="utf-8"?>
+<file path=ppt/slides/slide17.xml><?xml version="1.0" encoding="utf-8"?>
 <p:sld xmlns:a="http://schemas.openxmlformats.org/drawingml/2006/main" xmlns:r="http://schemas.openxmlformats.org/officeDocument/2006/relationships" xmlns:p="http://schemas.openxmlformats.org/presentationml/2006/main">
   <p:cSld>
     <p:spTree>
